--- a/powerpoints/13-project-playlist.pptx
+++ b/powerpoints/13-project-playlist.pptx
@@ -5,7 +5,7 @@
     <p:sldMasterId id="2147483648" r:id="rId1"/>
   </p:sldMasterIdLst>
   <p:notesMasterIdLst>
-    <p:NotesMasterId r:id="rId20"/>
+    <p:NotesMasterId r:id="rId22"/>
   </p:notesMasterIdLst>
   <p:sldIdLst>
     <p:sldId id="256" r:id="rId2"/>
@@ -26,6 +26,8 @@
     <p:sldId id="271" r:id="rId17"/>
     <p:sldId id="272" r:id="rId18"/>
     <p:sldId id="273" r:id="rId19"/>
+    <p:sldId id="274" r:id="rId20"/>
+    <p:sldId id="275" r:id="rId21"/>
   </p:sldIdLst>
   <p:sldSz cx="9144000" cy="6858000" type="screen4x3"/>
   <p:notesSz cx="6858000" cy="9144000"/>
@@ -2513,7 +2515,7 @@
             </a:pPr>
             <a:r>
               <a:rPr/>
-              <a:t>[5-7</a:t>
+              <a:t>[10</a:t>
             </a:r>
             <a:r>
               <a:rPr/>
@@ -2522,6 +2524,3066 @@
             <a:r>
               <a:rPr/>
               <a:t>mins]</a:t>
+            </a:r>
+          </a:p>
+          <a:p>
+            <a:pPr lvl="0" marL="0" indent="0">
+              <a:buNone/>
+            </a:pPr>
+          </a:p>
+          <a:p>
+            <a:pPr lvl="1"/>
+            <a:r>
+              <a:rPr/>
+              <a:t>Start</a:t>
+            </a:r>
+            <a:r>
+              <a:rPr/>
+              <a:t> </a:t>
+            </a:r>
+            <a:r>
+              <a:rPr/>
+              <a:t>with</a:t>
+            </a:r>
+            <a:r>
+              <a:rPr/>
+              <a:t> </a:t>
+            </a:r>
+            <a:r>
+              <a:rPr/>
+              <a:t>offline</a:t>
+            </a:r>
+            <a:r>
+              <a:rPr/>
+              <a:t> </a:t>
+            </a:r>
+            <a:r>
+              <a:rPr/>
+              <a:t>activity</a:t>
+            </a:r>
+            <a:r>
+              <a:rPr/>
+              <a:t> </a:t>
+            </a:r>
+            <a:r>
+              <a:rPr/>
+              <a:t>and</a:t>
+            </a:r>
+            <a:r>
+              <a:rPr/>
+              <a:t> </a:t>
+            </a:r>
+            <a:r>
+              <a:rPr/>
+              <a:t>discussion</a:t>
+            </a:r>
+          </a:p>
+          <a:p>
+            <a:pPr lvl="0" marL="0" indent="0">
+              <a:buNone/>
+            </a:pPr>
+          </a:p>
+          <a:p>
+            <a:pPr lvl="1"/>
+            <a:r>
+              <a:rPr/>
+              <a:t>Ask</a:t>
+            </a:r>
+            <a:r>
+              <a:rPr/>
+              <a:t> </a:t>
+            </a:r>
+            <a:r>
+              <a:rPr/>
+              <a:t>learners:</a:t>
+            </a:r>
+            <a:r>
+              <a:rPr/>
+              <a:t> </a:t>
+            </a:r>
+            <a:r>
+              <a:rPr/>
+              <a:t>What’s</a:t>
+            </a:r>
+            <a:r>
+              <a:rPr/>
+              <a:t> </a:t>
+            </a:r>
+            <a:r>
+              <a:rPr/>
+              <a:t>the</a:t>
+            </a:r>
+            <a:r>
+              <a:rPr/>
+              <a:t> </a:t>
+            </a:r>
+            <a:r>
+              <a:rPr/>
+              <a:t>last</a:t>
+            </a:r>
+            <a:r>
+              <a:rPr/>
+              <a:t> </a:t>
+            </a:r>
+            <a:r>
+              <a:rPr/>
+              <a:t>thing</a:t>
+            </a:r>
+            <a:r>
+              <a:rPr/>
+              <a:t> </a:t>
+            </a:r>
+            <a:r>
+              <a:rPr/>
+              <a:t>you</a:t>
+            </a:r>
+            <a:r>
+              <a:rPr/>
+              <a:t> </a:t>
+            </a:r>
+            <a:r>
+              <a:rPr/>
+              <a:t>found</a:t>
+            </a:r>
+            <a:r>
+              <a:rPr/>
+              <a:t> </a:t>
+            </a:r>
+            <a:r>
+              <a:rPr/>
+              <a:t>on</a:t>
+            </a:r>
+            <a:r>
+              <a:rPr/>
+              <a:t> </a:t>
+            </a:r>
+            <a:r>
+              <a:rPr/>
+              <a:t>the</a:t>
+            </a:r>
+            <a:r>
+              <a:rPr/>
+              <a:t> </a:t>
+            </a:r>
+            <a:r>
+              <a:rPr/>
+              <a:t>web</a:t>
+            </a:r>
+            <a:r>
+              <a:rPr/>
+              <a:t> </a:t>
+            </a:r>
+            <a:r>
+              <a:rPr/>
+              <a:t>that</a:t>
+            </a:r>
+            <a:r>
+              <a:rPr/>
+              <a:t> </a:t>
+            </a:r>
+            <a:r>
+              <a:rPr/>
+              <a:t>you</a:t>
+            </a:r>
+            <a:r>
+              <a:rPr/>
+              <a:t> </a:t>
+            </a:r>
+            <a:r>
+              <a:rPr/>
+              <a:t>were</a:t>
+            </a:r>
+            <a:r>
+              <a:rPr/>
+              <a:t> </a:t>
+            </a:r>
+            <a:r>
+              <a:rPr/>
+              <a:t>really</a:t>
+            </a:r>
+            <a:r>
+              <a:rPr/>
+              <a:t> </a:t>
+            </a:r>
+            <a:r>
+              <a:rPr/>
+              <a:t>excited</a:t>
+            </a:r>
+            <a:r>
+              <a:rPr/>
+              <a:t> </a:t>
+            </a:r>
+            <a:r>
+              <a:rPr/>
+              <a:t>about?</a:t>
+            </a:r>
+            <a:r>
+              <a:rPr/>
+              <a:t> </a:t>
+            </a:r>
+            <a:r>
+              <a:rPr/>
+              <a:t>What</a:t>
+            </a:r>
+            <a:r>
+              <a:rPr/>
+              <a:t> </a:t>
+            </a:r>
+            <a:r>
+              <a:rPr/>
+              <a:t>made</a:t>
+            </a:r>
+            <a:r>
+              <a:rPr/>
+              <a:t> </a:t>
+            </a:r>
+            <a:r>
+              <a:rPr/>
+              <a:t>you</a:t>
+            </a:r>
+            <a:r>
+              <a:rPr/>
+              <a:t> </a:t>
+            </a:r>
+            <a:r>
+              <a:rPr/>
+              <a:t>laugh,</a:t>
+            </a:r>
+            <a:r>
+              <a:rPr/>
+              <a:t> </a:t>
+            </a:r>
+            <a:r>
+              <a:rPr/>
+              <a:t>or</a:t>
+            </a:r>
+            <a:r>
+              <a:rPr/>
+              <a:t> </a:t>
+            </a:r>
+            <a:r>
+              <a:rPr/>
+              <a:t>think</a:t>
+            </a:r>
+            <a:r>
+              <a:rPr/>
+              <a:t> </a:t>
+            </a:r>
+            <a:r>
+              <a:rPr/>
+              <a:t>differently,</a:t>
+            </a:r>
+            <a:r>
+              <a:rPr/>
+              <a:t> </a:t>
+            </a:r>
+            <a:r>
+              <a:rPr/>
+              <a:t>what</a:t>
+            </a:r>
+            <a:r>
+              <a:rPr/>
+              <a:t> </a:t>
+            </a:r>
+            <a:r>
+              <a:rPr/>
+              <a:t>inspired</a:t>
+            </a:r>
+            <a:r>
+              <a:rPr/>
+              <a:t> </a:t>
+            </a:r>
+            <a:r>
+              <a:rPr/>
+              <a:t>you?</a:t>
+            </a:r>
+          </a:p>
+          <a:p>
+            <a:pPr lvl="0" marL="0" indent="0">
+              <a:buNone/>
+            </a:pPr>
+          </a:p>
+          <a:p>
+            <a:pPr lvl="1"/>
+            <a:r>
+              <a:rPr/>
+              <a:t>Where</a:t>
+            </a:r>
+            <a:r>
+              <a:rPr/>
+              <a:t> </a:t>
+            </a:r>
+            <a:r>
+              <a:rPr/>
+              <a:t>did</a:t>
+            </a:r>
+            <a:r>
+              <a:rPr/>
+              <a:t> </a:t>
+            </a:r>
+            <a:r>
+              <a:rPr/>
+              <a:t>you</a:t>
+            </a:r>
+            <a:r>
+              <a:rPr/>
+              <a:t> </a:t>
+            </a:r>
+            <a:r>
+              <a:rPr/>
+              <a:t>find</a:t>
+            </a:r>
+            <a:r>
+              <a:rPr/>
+              <a:t> </a:t>
+            </a:r>
+            <a:r>
+              <a:rPr/>
+              <a:t>these</a:t>
+            </a:r>
+            <a:r>
+              <a:rPr/>
+              <a:t> </a:t>
+            </a:r>
+            <a:r>
+              <a:rPr/>
+              <a:t>things?</a:t>
+            </a:r>
+            <a:r>
+              <a:rPr/>
+              <a:t> </a:t>
+            </a:r>
+            <a:r>
+              <a:rPr/>
+              <a:t>What</a:t>
+            </a:r>
+            <a:r>
+              <a:rPr/>
+              <a:t> </a:t>
+            </a:r>
+            <a:r>
+              <a:rPr/>
+              <a:t>sites</a:t>
+            </a:r>
+            <a:r>
+              <a:rPr/>
+              <a:t> </a:t>
+            </a:r>
+            <a:r>
+              <a:rPr/>
+              <a:t>did</a:t>
+            </a:r>
+            <a:r>
+              <a:rPr/>
+              <a:t> </a:t>
+            </a:r>
+            <a:r>
+              <a:rPr/>
+              <a:t>you</a:t>
+            </a:r>
+            <a:r>
+              <a:rPr/>
+              <a:t> </a:t>
+            </a:r>
+            <a:r>
+              <a:rPr/>
+              <a:t>use?</a:t>
+            </a:r>
+          </a:p>
+          <a:p>
+            <a:pPr lvl="0" marL="0" indent="0">
+              <a:buNone/>
+            </a:pPr>
+          </a:p>
+          <a:p>
+            <a:pPr lvl="1"/>
+            <a:r>
+              <a:rPr/>
+              <a:t>What’s</a:t>
+            </a:r>
+            <a:r>
+              <a:rPr/>
+              <a:t> </a:t>
+            </a:r>
+            <a:r>
+              <a:rPr/>
+              <a:t>the</a:t>
+            </a:r>
+            <a:r>
+              <a:rPr/>
+              <a:t> </a:t>
+            </a:r>
+            <a:r>
+              <a:rPr/>
+              <a:t>last</a:t>
+            </a:r>
+            <a:r>
+              <a:rPr/>
+              <a:t> </a:t>
+            </a:r>
+            <a:r>
+              <a:rPr/>
+              <a:t>thing</a:t>
+            </a:r>
+            <a:r>
+              <a:rPr/>
+              <a:t> </a:t>
+            </a:r>
+            <a:r>
+              <a:rPr/>
+              <a:t>you</a:t>
+            </a:r>
+            <a:r>
+              <a:rPr/>
+              <a:t> </a:t>
+            </a:r>
+            <a:r>
+              <a:rPr/>
+              <a:t>shared</a:t>
+            </a:r>
+            <a:r>
+              <a:rPr/>
+              <a:t> </a:t>
+            </a:r>
+            <a:r>
+              <a:rPr/>
+              <a:t>with</a:t>
+            </a:r>
+            <a:r>
+              <a:rPr/>
+              <a:t> </a:t>
+            </a:r>
+            <a:r>
+              <a:rPr/>
+              <a:t>others</a:t>
+            </a:r>
+            <a:r>
+              <a:rPr/>
+              <a:t> </a:t>
+            </a:r>
+            <a:r>
+              <a:rPr/>
+              <a:t>online?</a:t>
+            </a:r>
+            <a:r>
+              <a:rPr/>
+              <a:t> </a:t>
+            </a:r>
+            <a:r>
+              <a:rPr/>
+              <a:t>Where</a:t>
+            </a:r>
+            <a:r>
+              <a:rPr/>
+              <a:t> </a:t>
+            </a:r>
+            <a:r>
+              <a:rPr/>
+              <a:t>did</a:t>
+            </a:r>
+            <a:r>
+              <a:rPr/>
+              <a:t> </a:t>
+            </a:r>
+            <a:r>
+              <a:rPr/>
+              <a:t>you</a:t>
+            </a:r>
+            <a:r>
+              <a:rPr/>
+              <a:t> </a:t>
+            </a:r>
+            <a:r>
+              <a:rPr/>
+              <a:t>find</a:t>
+            </a:r>
+            <a:r>
+              <a:rPr/>
+              <a:t> </a:t>
+            </a:r>
+            <a:r>
+              <a:rPr/>
+              <a:t>it?</a:t>
+            </a:r>
+            <a:r>
+              <a:rPr/>
+              <a:t> </a:t>
+            </a:r>
+            <a:r>
+              <a:rPr/>
+              <a:t>What’s</a:t>
+            </a:r>
+            <a:r>
+              <a:rPr/>
+              <a:t> </a:t>
+            </a:r>
+            <a:r>
+              <a:rPr/>
+              <a:t>the</a:t>
+            </a:r>
+            <a:r>
+              <a:rPr/>
+              <a:t> </a:t>
+            </a:r>
+            <a:r>
+              <a:rPr/>
+              <a:t>last</a:t>
+            </a:r>
+            <a:r>
+              <a:rPr/>
+              <a:t> </a:t>
+            </a:r>
+            <a:r>
+              <a:rPr/>
+              <a:t>thing</a:t>
+            </a:r>
+            <a:r>
+              <a:rPr/>
+              <a:t> </a:t>
+            </a:r>
+            <a:r>
+              <a:rPr/>
+              <a:t>you</a:t>
+            </a:r>
+            <a:r>
+              <a:rPr/>
+              <a:t> </a:t>
+            </a:r>
+            <a:r>
+              <a:rPr/>
+              <a:t>shared</a:t>
+            </a:r>
+            <a:r>
+              <a:rPr/>
+              <a:t> </a:t>
+            </a:r>
+            <a:r>
+              <a:rPr/>
+              <a:t>offline?</a:t>
+            </a:r>
+            <a:r>
+              <a:rPr/>
+              <a:t> </a:t>
+            </a:r>
+            <a:r>
+              <a:rPr/>
+              <a:t>(i.e. cut</a:t>
+            </a:r>
+            <a:r>
+              <a:rPr/>
+              <a:t> </a:t>
+            </a:r>
+            <a:r>
+              <a:rPr/>
+              <a:t>out</a:t>
+            </a:r>
+            <a:r>
+              <a:rPr/>
+              <a:t> </a:t>
+            </a:r>
+            <a:r>
+              <a:rPr/>
+              <a:t>an</a:t>
+            </a:r>
+            <a:r>
+              <a:rPr/>
+              <a:t> </a:t>
+            </a:r>
+            <a:r>
+              <a:rPr/>
+              <a:t>article,</a:t>
+            </a:r>
+            <a:r>
+              <a:rPr/>
+              <a:t> </a:t>
+            </a:r>
+            <a:r>
+              <a:rPr/>
+              <a:t>shared</a:t>
+            </a:r>
+            <a:r>
+              <a:rPr/>
+              <a:t> </a:t>
+            </a:r>
+            <a:r>
+              <a:rPr/>
+              <a:t>a</a:t>
+            </a:r>
+            <a:r>
+              <a:rPr/>
+              <a:t> </a:t>
+            </a:r>
+            <a:r>
+              <a:rPr/>
+              <a:t>comic</a:t>
+            </a:r>
+            <a:r>
+              <a:rPr/>
+              <a:t> </a:t>
+            </a:r>
+            <a:r>
+              <a:rPr/>
+              <a:t>strip</a:t>
+            </a:r>
+            <a:r>
+              <a:rPr/>
+              <a:t> </a:t>
+            </a:r>
+            <a:r>
+              <a:rPr/>
+              <a:t>or</a:t>
+            </a:r>
+            <a:r>
+              <a:rPr/>
+              <a:t> </a:t>
+            </a:r>
+            <a:r>
+              <a:rPr/>
+              <a:t>recipe)</a:t>
+            </a:r>
+            <a:r>
+              <a:rPr/>
+              <a:t> </a:t>
+            </a:r>
+            <a:r>
+              <a:rPr/>
+              <a:t>Where</a:t>
+            </a:r>
+            <a:r>
+              <a:rPr/>
+              <a:t> </a:t>
+            </a:r>
+            <a:r>
+              <a:rPr/>
+              <a:t>did</a:t>
+            </a:r>
+            <a:r>
+              <a:rPr/>
+              <a:t> </a:t>
+            </a:r>
+            <a:r>
+              <a:rPr/>
+              <a:t>you</a:t>
+            </a:r>
+            <a:r>
+              <a:rPr/>
+              <a:t> </a:t>
+            </a:r>
+            <a:r>
+              <a:rPr/>
+              <a:t>find</a:t>
+            </a:r>
+            <a:r>
+              <a:rPr/>
+              <a:t> </a:t>
+            </a:r>
+            <a:r>
+              <a:rPr/>
+              <a:t>it?</a:t>
+            </a:r>
+          </a:p>
+          <a:p>
+            <a:pPr lvl="0" marL="0" indent="0">
+              <a:buNone/>
+            </a:pPr>
+          </a:p>
+          <a:p>
+            <a:pPr lvl="1"/>
+            <a:r>
+              <a:rPr/>
+              <a:t>How</a:t>
+            </a:r>
+            <a:r>
+              <a:rPr/>
+              <a:t> </a:t>
+            </a:r>
+            <a:r>
+              <a:rPr/>
+              <a:t>did</a:t>
+            </a:r>
+            <a:r>
+              <a:rPr/>
+              <a:t> </a:t>
+            </a:r>
+            <a:r>
+              <a:rPr/>
+              <a:t>you</a:t>
+            </a:r>
+            <a:r>
+              <a:rPr/>
+              <a:t> </a:t>
+            </a:r>
+            <a:r>
+              <a:rPr/>
+              <a:t>share</a:t>
+            </a:r>
+            <a:r>
+              <a:rPr/>
+              <a:t> </a:t>
+            </a:r>
+            <a:r>
+              <a:rPr/>
+              <a:t>it</a:t>
+            </a:r>
+            <a:r>
+              <a:rPr/>
+              <a:t> </a:t>
+            </a:r>
+            <a:r>
+              <a:rPr/>
+              <a:t>-</a:t>
+            </a:r>
+            <a:r>
+              <a:rPr/>
+              <a:t> </a:t>
+            </a:r>
+            <a:r>
+              <a:rPr/>
+              <a:t>what</a:t>
+            </a:r>
+            <a:r>
+              <a:rPr/>
+              <a:t> </a:t>
+            </a:r>
+            <a:r>
+              <a:rPr/>
+              <a:t>did</a:t>
+            </a:r>
+            <a:r>
+              <a:rPr/>
+              <a:t> </a:t>
+            </a:r>
+            <a:r>
+              <a:rPr/>
+              <a:t>you</a:t>
+            </a:r>
+            <a:r>
+              <a:rPr/>
+              <a:t> </a:t>
+            </a:r>
+            <a:r>
+              <a:rPr/>
+              <a:t>do</a:t>
+            </a:r>
+            <a:r>
+              <a:rPr/>
+              <a:t> </a:t>
+            </a:r>
+            <a:r>
+              <a:rPr/>
+              <a:t>in</a:t>
+            </a:r>
+            <a:r>
+              <a:rPr/>
+              <a:t> </a:t>
+            </a:r>
+            <a:r>
+              <a:rPr/>
+              <a:t>order</a:t>
+            </a:r>
+            <a:r>
+              <a:rPr/>
+              <a:t> </a:t>
+            </a:r>
+            <a:r>
+              <a:rPr/>
+              <a:t>to</a:t>
+            </a:r>
+            <a:r>
+              <a:rPr/>
+              <a:t> </a:t>
+            </a:r>
+            <a:r>
+              <a:rPr/>
+              <a:t>share</a:t>
+            </a:r>
+            <a:r>
+              <a:rPr/>
+              <a:t> </a:t>
+            </a:r>
+            <a:r>
+              <a:rPr/>
+              <a:t>it?</a:t>
+            </a:r>
+          </a:p>
+          <a:p>
+            <a:pPr lvl="0" marL="0" indent="0">
+              <a:buNone/>
+            </a:pPr>
+          </a:p>
+          <a:p>
+            <a:pPr lvl="1"/>
+            <a:r>
+              <a:rPr/>
+              <a:t>When</a:t>
+            </a:r>
+            <a:r>
+              <a:rPr/>
+              <a:t> </a:t>
+            </a:r>
+            <a:r>
+              <a:rPr/>
+              <a:t>you</a:t>
+            </a:r>
+            <a:r>
+              <a:rPr/>
+              <a:t> </a:t>
+            </a:r>
+            <a:r>
+              <a:rPr/>
+              <a:t>shared</a:t>
+            </a:r>
+            <a:r>
+              <a:rPr/>
+              <a:t> </a:t>
+            </a:r>
+            <a:r>
+              <a:rPr/>
+              <a:t>this</a:t>
+            </a:r>
+            <a:r>
+              <a:rPr/>
+              <a:t> </a:t>
+            </a:r>
+            <a:r>
+              <a:rPr/>
+              <a:t>thing,</a:t>
+            </a:r>
+            <a:r>
+              <a:rPr/>
+              <a:t> </a:t>
+            </a:r>
+            <a:r>
+              <a:rPr/>
+              <a:t>how</a:t>
+            </a:r>
+            <a:r>
+              <a:rPr/>
+              <a:t> </a:t>
+            </a:r>
+            <a:r>
+              <a:rPr/>
+              <a:t>did</a:t>
+            </a:r>
+            <a:r>
+              <a:rPr/>
+              <a:t> </a:t>
+            </a:r>
+            <a:r>
+              <a:rPr/>
+              <a:t>you</a:t>
+            </a:r>
+            <a:r>
+              <a:rPr/>
+              <a:t> </a:t>
+            </a:r>
+            <a:r>
+              <a:rPr/>
+              <a:t>decide</a:t>
+            </a:r>
+            <a:r>
+              <a:rPr/>
+              <a:t> </a:t>
+            </a:r>
+            <a:r>
+              <a:rPr/>
+              <a:t>to</a:t>
+            </a:r>
+            <a:r>
+              <a:rPr/>
+              <a:t> </a:t>
+            </a:r>
+            <a:r>
+              <a:rPr/>
+              <a:t>share</a:t>
+            </a:r>
+            <a:r>
+              <a:rPr/>
+              <a:t> </a:t>
+            </a:r>
+            <a:r>
+              <a:rPr/>
+              <a:t>it?</a:t>
+            </a:r>
+            <a:r>
+              <a:rPr/>
+              <a:t> </a:t>
+            </a:r>
+            <a:r>
+              <a:rPr/>
+              <a:t>What</a:t>
+            </a:r>
+            <a:r>
+              <a:rPr/>
+              <a:t> </a:t>
+            </a:r>
+            <a:r>
+              <a:rPr/>
+              <a:t>did</a:t>
+            </a:r>
+            <a:r>
+              <a:rPr/>
+              <a:t> </a:t>
+            </a:r>
+            <a:r>
+              <a:rPr/>
+              <a:t>you</a:t>
+            </a:r>
+            <a:r>
+              <a:rPr/>
+              <a:t> </a:t>
+            </a:r>
+            <a:r>
+              <a:rPr/>
+              <a:t>consider</a:t>
+            </a:r>
+            <a:r>
+              <a:rPr/>
+              <a:t> </a:t>
+            </a:r>
+            <a:r>
+              <a:rPr/>
+              <a:t>when</a:t>
+            </a:r>
+            <a:r>
+              <a:rPr/>
+              <a:t> </a:t>
+            </a:r>
+            <a:r>
+              <a:rPr/>
+              <a:t>making</a:t>
+            </a:r>
+            <a:r>
+              <a:rPr/>
+              <a:t> </a:t>
+            </a:r>
+            <a:r>
+              <a:rPr/>
+              <a:t>that</a:t>
+            </a:r>
+            <a:r>
+              <a:rPr/>
+              <a:t> </a:t>
+            </a:r>
+            <a:r>
+              <a:rPr/>
+              <a:t>decision?</a:t>
+            </a:r>
+          </a:p>
+          <a:p>
+            <a:pPr lvl="0" marL="0" indent="0">
+              <a:buNone/>
+            </a:pPr>
+          </a:p>
+          <a:p>
+            <a:pPr lvl="1"/>
+            <a:r>
+              <a:rPr/>
+              <a:t>Explain</a:t>
+            </a:r>
+            <a:r>
+              <a:rPr/>
+              <a:t> </a:t>
+            </a:r>
+            <a:r>
+              <a:rPr/>
+              <a:t>that,</a:t>
+            </a:r>
+            <a:r>
+              <a:rPr/>
+              <a:t> </a:t>
+            </a:r>
+            <a:r>
+              <a:rPr/>
+              <a:t>as</a:t>
+            </a:r>
+            <a:r>
+              <a:rPr/>
+              <a:t> </a:t>
+            </a:r>
+            <a:r>
+              <a:rPr/>
+              <a:t>discussed,</a:t>
+            </a:r>
+            <a:r>
+              <a:rPr/>
+              <a:t> </a:t>
+            </a:r>
+            <a:r>
+              <a:rPr/>
+              <a:t>the</a:t>
+            </a:r>
+            <a:r>
+              <a:rPr/>
+              <a:t> </a:t>
+            </a:r>
+            <a:r>
+              <a:rPr/>
+              <a:t>web</a:t>
+            </a:r>
+            <a:r>
+              <a:rPr/>
+              <a:t> </a:t>
+            </a:r>
+            <a:r>
+              <a:rPr/>
+              <a:t>is</a:t>
+            </a:r>
+            <a:r>
+              <a:rPr/>
+              <a:t> </a:t>
+            </a:r>
+            <a:r>
+              <a:rPr/>
+              <a:t>an</a:t>
+            </a:r>
+            <a:r>
+              <a:rPr/>
+              <a:t> </a:t>
+            </a:r>
+            <a:r>
+              <a:rPr/>
+              <a:t>amazing</a:t>
+            </a:r>
+            <a:r>
+              <a:rPr/>
+              <a:t> </a:t>
+            </a:r>
+            <a:r>
+              <a:rPr/>
+              <a:t>tool</a:t>
+            </a:r>
+            <a:r>
+              <a:rPr/>
+              <a:t> </a:t>
+            </a:r>
+            <a:r>
+              <a:rPr/>
+              <a:t>and</a:t>
+            </a:r>
+            <a:r>
+              <a:rPr/>
+              <a:t> </a:t>
+            </a:r>
+            <a:r>
+              <a:rPr/>
+              <a:t>space</a:t>
+            </a:r>
+            <a:r>
+              <a:rPr/>
+              <a:t> </a:t>
+            </a:r>
+            <a:r>
+              <a:rPr/>
+              <a:t>space</a:t>
+            </a:r>
+            <a:r>
+              <a:rPr/>
+              <a:t> </a:t>
+            </a:r>
+            <a:r>
+              <a:rPr/>
+              <a:t>for</a:t>
+            </a:r>
+            <a:r>
+              <a:rPr/>
+              <a:t> </a:t>
+            </a:r>
+            <a:r>
+              <a:rPr/>
+              <a:t>information</a:t>
+            </a:r>
+            <a:r>
+              <a:rPr/>
+              <a:t> </a:t>
+            </a:r>
+            <a:r>
+              <a:rPr/>
+              <a:t>sharing</a:t>
+            </a:r>
+            <a:r>
+              <a:rPr/>
+              <a:t> </a:t>
+            </a:r>
+            <a:r>
+              <a:rPr/>
+              <a:t>and</a:t>
+            </a:r>
+            <a:r>
+              <a:rPr/>
+              <a:t> </a:t>
+            </a:r>
+            <a:r>
+              <a:rPr/>
+              <a:t>discovery!</a:t>
+            </a:r>
+          </a:p>
+          <a:p>
+            <a:pPr lvl="0" marL="0" indent="0">
+              <a:buNone/>
+            </a:pPr>
+          </a:p>
+          <a:p>
+            <a:pPr lvl="1"/>
+            <a:r>
+              <a:rPr/>
+              <a:t>The</a:t>
+            </a:r>
+            <a:r>
+              <a:rPr/>
+              <a:t> </a:t>
+            </a:r>
+            <a:r>
+              <a:rPr/>
+              <a:t>way</a:t>
+            </a:r>
+            <a:r>
+              <a:rPr/>
+              <a:t> </a:t>
+            </a:r>
+            <a:r>
+              <a:rPr/>
+              <a:t>web</a:t>
+            </a:r>
+            <a:r>
+              <a:rPr/>
+              <a:t> </a:t>
+            </a:r>
+            <a:r>
+              <a:rPr/>
+              <a:t>pages</a:t>
+            </a:r>
+            <a:r>
+              <a:rPr/>
+              <a:t> </a:t>
+            </a:r>
+            <a:r>
+              <a:rPr/>
+              <a:t>can</a:t>
+            </a:r>
+            <a:r>
+              <a:rPr/>
+              <a:t> </a:t>
+            </a:r>
+            <a:r>
+              <a:rPr/>
+              <a:t>link</a:t>
+            </a:r>
+            <a:r>
+              <a:rPr/>
+              <a:t> </a:t>
+            </a:r>
+            <a:r>
+              <a:rPr/>
+              <a:t>to</a:t>
+            </a:r>
+            <a:r>
+              <a:rPr/>
+              <a:t> </a:t>
+            </a:r>
+            <a:r>
+              <a:rPr/>
+              <a:t>other</a:t>
+            </a:r>
+            <a:r>
+              <a:rPr/>
+              <a:t> </a:t>
+            </a:r>
+            <a:r>
+              <a:rPr/>
+              <a:t>pages</a:t>
+            </a:r>
+            <a:r>
+              <a:rPr/>
+              <a:t> </a:t>
+            </a:r>
+            <a:r>
+              <a:rPr/>
+              <a:t>allows</a:t>
+            </a:r>
+            <a:r>
+              <a:rPr/>
+              <a:t> </a:t>
+            </a:r>
+            <a:r>
+              <a:rPr/>
+              <a:t>content</a:t>
+            </a:r>
+            <a:r>
+              <a:rPr/>
+              <a:t> </a:t>
+            </a:r>
+            <a:r>
+              <a:rPr/>
+              <a:t>like</a:t>
+            </a:r>
+            <a:r>
+              <a:rPr/>
+              <a:t> </a:t>
+            </a:r>
+            <a:r>
+              <a:rPr/>
+              <a:t>songs,</a:t>
+            </a:r>
+            <a:r>
+              <a:rPr/>
+              <a:t> </a:t>
+            </a:r>
+            <a:r>
+              <a:rPr/>
+              <a:t>photos,</a:t>
+            </a:r>
+            <a:r>
+              <a:rPr/>
+              <a:t> </a:t>
+            </a:r>
+            <a:r>
+              <a:rPr/>
+              <a:t>videos</a:t>
+            </a:r>
+            <a:r>
+              <a:rPr/>
+              <a:t> </a:t>
+            </a:r>
+            <a:r>
+              <a:rPr/>
+              <a:t>or</a:t>
+            </a:r>
+            <a:r>
+              <a:rPr/>
+              <a:t> </a:t>
+            </a:r>
+            <a:r>
+              <a:rPr/>
+              <a:t>text</a:t>
+            </a:r>
+            <a:r>
+              <a:rPr/>
+              <a:t> </a:t>
+            </a:r>
+            <a:r>
+              <a:rPr/>
+              <a:t>uploaded</a:t>
+            </a:r>
+            <a:r>
+              <a:rPr/>
+              <a:t> </a:t>
+            </a:r>
+            <a:r>
+              <a:rPr/>
+              <a:t>and</a:t>
+            </a:r>
+            <a:r>
+              <a:rPr/>
+              <a:t> </a:t>
+            </a:r>
+            <a:r>
+              <a:rPr/>
+              <a:t>hosted</a:t>
+            </a:r>
+            <a:r>
+              <a:rPr/>
+              <a:t> </a:t>
+            </a:r>
+            <a:r>
+              <a:rPr/>
+              <a:t>on</a:t>
+            </a:r>
+            <a:r>
+              <a:rPr/>
+              <a:t> </a:t>
+            </a:r>
+            <a:r>
+              <a:rPr/>
+              <a:t>the</a:t>
+            </a:r>
+            <a:r>
+              <a:rPr/>
+              <a:t> </a:t>
+            </a:r>
+            <a:r>
+              <a:rPr/>
+              <a:t>web</a:t>
+            </a:r>
+            <a:r>
+              <a:rPr/>
+              <a:t> </a:t>
+            </a:r>
+            <a:r>
+              <a:rPr/>
+              <a:t>in</a:t>
+            </a:r>
+            <a:r>
+              <a:rPr/>
+              <a:t> </a:t>
+            </a:r>
+            <a:r>
+              <a:rPr/>
+              <a:t>one</a:t>
+            </a:r>
+            <a:r>
+              <a:rPr/>
+              <a:t> </a:t>
+            </a:r>
+            <a:r>
+              <a:rPr/>
+              <a:t>pace</a:t>
+            </a:r>
+            <a:r>
+              <a:rPr/>
+              <a:t> </a:t>
+            </a:r>
+            <a:r>
+              <a:rPr/>
+              <a:t>to</a:t>
+            </a:r>
+            <a:r>
+              <a:rPr/>
+              <a:t> </a:t>
+            </a:r>
+            <a:r>
+              <a:rPr/>
+              <a:t>re-appear</a:t>
+            </a:r>
+            <a:r>
+              <a:rPr/>
+              <a:t> </a:t>
+            </a:r>
+            <a:r>
+              <a:rPr/>
+              <a:t>over</a:t>
+            </a:r>
+            <a:r>
+              <a:rPr/>
+              <a:t> </a:t>
+            </a:r>
+            <a:r>
+              <a:rPr/>
+              <a:t>and</a:t>
+            </a:r>
+            <a:r>
+              <a:rPr/>
+              <a:t> </a:t>
+            </a:r>
+            <a:r>
+              <a:rPr/>
+              <a:t>over</a:t>
+            </a:r>
+            <a:r>
+              <a:rPr/>
+              <a:t> </a:t>
+            </a:r>
+            <a:r>
+              <a:rPr/>
+              <a:t>in</a:t>
+            </a:r>
+            <a:r>
+              <a:rPr/>
+              <a:t> </a:t>
+            </a:r>
+            <a:r>
+              <a:rPr/>
+              <a:t>lots</a:t>
+            </a:r>
+            <a:r>
+              <a:rPr/>
+              <a:t> </a:t>
+            </a:r>
+            <a:r>
+              <a:rPr/>
+              <a:t>of</a:t>
+            </a:r>
+            <a:r>
+              <a:rPr/>
+              <a:t> </a:t>
+            </a:r>
+            <a:r>
+              <a:rPr/>
+              <a:t>other</a:t>
+            </a:r>
+            <a:r>
+              <a:rPr/>
+              <a:t> </a:t>
+            </a:r>
+            <a:r>
+              <a:rPr/>
+              <a:t>places.</a:t>
+            </a:r>
+          </a:p>
+          <a:p>
+            <a:pPr lvl="0" marL="0" indent="0">
+              <a:buNone/>
+            </a:pPr>
+          </a:p>
+          <a:p>
+            <a:pPr lvl="1"/>
+            <a:r>
+              <a:rPr/>
+              <a:t>You</a:t>
+            </a:r>
+            <a:r>
+              <a:rPr/>
+              <a:t> </a:t>
+            </a:r>
+            <a:r>
+              <a:rPr/>
+              <a:t>can</a:t>
+            </a:r>
+            <a:r>
+              <a:rPr/>
+              <a:t> </a:t>
+            </a:r>
+            <a:r>
+              <a:rPr/>
+              <a:t>add</a:t>
+            </a:r>
+            <a:r>
+              <a:rPr/>
+              <a:t> </a:t>
+            </a:r>
+            <a:r>
+              <a:rPr/>
+              <a:t>a</a:t>
+            </a:r>
+            <a:r>
+              <a:rPr/>
+              <a:t> </a:t>
+            </a:r>
+            <a:r>
+              <a:rPr/>
+              <a:t>link</a:t>
+            </a:r>
+            <a:r>
+              <a:rPr/>
+              <a:t> </a:t>
+            </a:r>
+            <a:r>
+              <a:rPr/>
+              <a:t>on</a:t>
+            </a:r>
+            <a:r>
+              <a:rPr/>
+              <a:t> </a:t>
+            </a:r>
+            <a:r>
+              <a:rPr/>
+              <a:t>a</a:t>
+            </a:r>
+            <a:r>
+              <a:rPr/>
+              <a:t> </a:t>
+            </a:r>
+            <a:r>
+              <a:rPr/>
+              <a:t>new</a:t>
+            </a:r>
+            <a:r>
+              <a:rPr/>
+              <a:t> </a:t>
+            </a:r>
+            <a:r>
+              <a:rPr/>
+              <a:t>page</a:t>
+            </a:r>
+            <a:r>
+              <a:rPr/>
+              <a:t> </a:t>
+            </a:r>
+            <a:r>
+              <a:rPr/>
+              <a:t>that</a:t>
+            </a:r>
+            <a:r>
+              <a:rPr/>
+              <a:t> </a:t>
+            </a:r>
+            <a:r>
+              <a:rPr/>
+              <a:t>points</a:t>
+            </a:r>
+            <a:r>
+              <a:rPr/>
+              <a:t> </a:t>
+            </a:r>
+            <a:r>
+              <a:rPr/>
+              <a:t>to</a:t>
+            </a:r>
+            <a:r>
+              <a:rPr/>
+              <a:t> </a:t>
+            </a:r>
+            <a:r>
+              <a:rPr/>
+              <a:t>the</a:t>
+            </a:r>
+            <a:r>
+              <a:rPr/>
+              <a:t> </a:t>
+            </a:r>
+            <a:r>
+              <a:rPr/>
+              <a:t>original</a:t>
+            </a:r>
+            <a:r>
+              <a:rPr/>
+              <a:t> </a:t>
+            </a:r>
+            <a:r>
+              <a:rPr/>
+              <a:t>content,</a:t>
+            </a:r>
+            <a:r>
+              <a:rPr/>
+              <a:t> </a:t>
+            </a:r>
+            <a:r>
+              <a:rPr/>
+              <a:t>or</a:t>
+            </a:r>
+            <a:r>
+              <a:rPr/>
+              <a:t> </a:t>
+            </a:r>
+            <a:r>
+              <a:rPr/>
+              <a:t>you</a:t>
+            </a:r>
+            <a:r>
+              <a:rPr/>
+              <a:t> </a:t>
+            </a:r>
+            <a:r>
+              <a:rPr/>
+              <a:t>can</a:t>
+            </a:r>
+            <a:r>
+              <a:rPr/>
+              <a:t> </a:t>
+            </a:r>
+            <a:r>
+              <a:rPr/>
+              <a:t>pull</a:t>
+            </a:r>
+            <a:r>
+              <a:rPr/>
+              <a:t> </a:t>
+            </a:r>
+            <a:r>
+              <a:rPr/>
+              <a:t>the</a:t>
+            </a:r>
+            <a:r>
+              <a:rPr/>
+              <a:t> </a:t>
+            </a:r>
+            <a:r>
+              <a:rPr/>
+              <a:t>content</a:t>
+            </a:r>
+            <a:r>
+              <a:rPr/>
+              <a:t> </a:t>
+            </a:r>
+            <a:r>
+              <a:rPr/>
+              <a:t>directly</a:t>
+            </a:r>
+            <a:r>
+              <a:rPr/>
+              <a:t> </a:t>
+            </a:r>
+            <a:r>
+              <a:rPr/>
+              <a:t>into</a:t>
+            </a:r>
+            <a:r>
+              <a:rPr/>
+              <a:t> </a:t>
+            </a:r>
+            <a:r>
+              <a:rPr/>
+              <a:t>the</a:t>
+            </a:r>
+            <a:r>
+              <a:rPr/>
+              <a:t> </a:t>
+            </a:r>
+            <a:r>
+              <a:rPr/>
+              <a:t>page</a:t>
+            </a:r>
+            <a:r>
+              <a:rPr/>
+              <a:t> </a:t>
+            </a:r>
+            <a:r>
+              <a:rPr/>
+              <a:t>using</a:t>
+            </a:r>
+            <a:r>
+              <a:rPr/>
+              <a:t> </a:t>
+            </a:r>
+            <a:r>
+              <a:rPr/>
+              <a:t>some</a:t>
+            </a:r>
+            <a:r>
+              <a:rPr/>
+              <a:t> </a:t>
+            </a:r>
+            <a:r>
+              <a:rPr/>
+              <a:t>special</a:t>
+            </a:r>
+            <a:r>
+              <a:rPr/>
+              <a:t> </a:t>
+            </a:r>
+            <a:r>
+              <a:rPr/>
+              <a:t>tags</a:t>
+            </a:r>
+            <a:r>
+              <a:rPr/>
+              <a:t> </a:t>
+            </a:r>
+            <a:r>
+              <a:rPr/>
+              <a:t>called</a:t>
+            </a:r>
+            <a:r>
+              <a:rPr/>
+              <a:t> </a:t>
+            </a:r>
+            <a:r>
+              <a:rPr/>
+              <a:t>“</a:t>
+            </a:r>
+            <a:r>
+              <a:rPr/>
+              <a:t>embed</a:t>
+            </a:r>
+            <a:r>
+              <a:rPr/>
+              <a:t>”</a:t>
+            </a:r>
+            <a:r>
+              <a:rPr/>
+              <a:t> </a:t>
+            </a:r>
+            <a:r>
+              <a:rPr/>
+              <a:t>tags.</a:t>
+            </a:r>
+          </a:p>
+          <a:p>
+            <a:pPr lvl="0" marL="0" indent="0">
+              <a:buNone/>
+            </a:pPr>
+          </a:p>
+          <a:p>
+            <a:pPr lvl="1"/>
+            <a:r>
+              <a:rPr/>
+              <a:t>Photos,</a:t>
+            </a:r>
+            <a:r>
+              <a:rPr/>
+              <a:t> </a:t>
+            </a:r>
+            <a:r>
+              <a:rPr/>
+              <a:t>videos,</a:t>
+            </a:r>
+            <a:r>
+              <a:rPr/>
+              <a:t> </a:t>
+            </a:r>
+            <a:r>
+              <a:rPr/>
+              <a:t>songs,</a:t>
+            </a:r>
+            <a:r>
+              <a:rPr/>
+              <a:t> </a:t>
+            </a:r>
+            <a:r>
+              <a:rPr/>
+              <a:t>and</a:t>
+            </a:r>
+            <a:r>
+              <a:rPr/>
+              <a:t> </a:t>
+            </a:r>
+            <a:r>
+              <a:rPr/>
+              <a:t>text</a:t>
+            </a:r>
+            <a:r>
+              <a:rPr/>
+              <a:t> </a:t>
+            </a:r>
+            <a:r>
+              <a:rPr/>
+              <a:t>can</a:t>
+            </a:r>
+            <a:r>
+              <a:rPr/>
+              <a:t> </a:t>
+            </a:r>
+            <a:r>
+              <a:rPr/>
+              <a:t>also</a:t>
+            </a:r>
+            <a:r>
+              <a:rPr/>
+              <a:t> </a:t>
+            </a:r>
+            <a:r>
+              <a:rPr/>
+              <a:t>be</a:t>
+            </a:r>
+            <a:r>
+              <a:rPr/>
+              <a:t> </a:t>
+            </a:r>
+            <a:r>
+              <a:rPr/>
+              <a:t>saved</a:t>
+            </a:r>
+            <a:r>
+              <a:rPr/>
+              <a:t> </a:t>
+            </a:r>
+            <a:r>
+              <a:rPr/>
+              <a:t>and</a:t>
+            </a:r>
+            <a:r>
+              <a:rPr/>
+              <a:t> </a:t>
+            </a:r>
+            <a:r>
+              <a:rPr/>
+              <a:t>downloaded</a:t>
+            </a:r>
+            <a:r>
+              <a:rPr/>
+              <a:t> </a:t>
+            </a:r>
+            <a:r>
+              <a:rPr/>
+              <a:t>on</a:t>
+            </a:r>
+            <a:r>
+              <a:rPr/>
+              <a:t> </a:t>
+            </a:r>
+            <a:r>
+              <a:rPr/>
+              <a:t>client</a:t>
+            </a:r>
+            <a:r>
+              <a:rPr/>
+              <a:t> </a:t>
+            </a:r>
+            <a:r>
+              <a:rPr/>
+              <a:t>computers</a:t>
+            </a:r>
+            <a:r>
+              <a:rPr/>
+              <a:t> </a:t>
+            </a:r>
+            <a:r>
+              <a:rPr/>
+              <a:t>by</a:t>
+            </a:r>
+            <a:r>
+              <a:rPr/>
+              <a:t> </a:t>
+            </a:r>
+            <a:r>
+              <a:rPr/>
+              <a:t>any</a:t>
+            </a:r>
+            <a:r>
+              <a:rPr/>
+              <a:t> </a:t>
+            </a:r>
+            <a:r>
+              <a:rPr/>
+              <a:t>user.</a:t>
+            </a:r>
+            <a:r>
+              <a:rPr/>
+              <a:t> </a:t>
+            </a:r>
+            <a:r>
+              <a:rPr/>
+              <a:t>A</a:t>
+            </a:r>
+            <a:r>
+              <a:rPr/>
+              <a:t> </a:t>
+            </a:r>
+            <a:r>
+              <a:rPr/>
+              <a:t>client</a:t>
+            </a:r>
+            <a:r>
+              <a:rPr/>
+              <a:t> </a:t>
+            </a:r>
+            <a:r>
+              <a:rPr/>
+              <a:t>computer</a:t>
+            </a:r>
+            <a:r>
+              <a:rPr/>
+              <a:t> </a:t>
+            </a:r>
+            <a:r>
+              <a:rPr/>
+              <a:t>is</a:t>
+            </a:r>
+            <a:r>
+              <a:rPr/>
+              <a:t> </a:t>
+            </a:r>
+            <a:r>
+              <a:rPr/>
+              <a:t>an</a:t>
+            </a:r>
+            <a:r>
+              <a:rPr/>
+              <a:t> </a:t>
+            </a:r>
+            <a:r>
+              <a:rPr/>
+              <a:t>individual</a:t>
+            </a:r>
+            <a:r>
+              <a:rPr/>
+              <a:t> </a:t>
+            </a:r>
+            <a:r>
+              <a:rPr/>
+              <a:t>computer</a:t>
+            </a:r>
+            <a:r>
+              <a:rPr/>
+              <a:t> </a:t>
+            </a:r>
+            <a:r>
+              <a:rPr/>
+              <a:t>that</a:t>
+            </a:r>
+            <a:r>
+              <a:rPr/>
+              <a:t> </a:t>
+            </a:r>
+            <a:r>
+              <a:rPr/>
+              <a:t>accesses</a:t>
+            </a:r>
+            <a:r>
+              <a:rPr/>
+              <a:t> </a:t>
+            </a:r>
+            <a:r>
+              <a:rPr/>
+              <a:t>the</a:t>
+            </a:r>
+            <a:r>
+              <a:rPr/>
+              <a:t> </a:t>
+            </a:r>
+            <a:r>
+              <a:rPr/>
+              <a:t>information</a:t>
+            </a:r>
+            <a:r>
+              <a:rPr/>
+              <a:t> </a:t>
+            </a:r>
+            <a:r>
+              <a:rPr/>
+              <a:t>and</a:t>
+            </a:r>
+            <a:r>
+              <a:rPr/>
+              <a:t> </a:t>
+            </a:r>
+            <a:r>
+              <a:rPr/>
+              <a:t>programs</a:t>
+            </a:r>
+            <a:r>
+              <a:rPr/>
+              <a:t> </a:t>
+            </a:r>
+            <a:r>
+              <a:rPr/>
+              <a:t>stored</a:t>
+            </a:r>
+            <a:r>
+              <a:rPr/>
+              <a:t> </a:t>
+            </a:r>
+            <a:r>
+              <a:rPr/>
+              <a:t>on</a:t>
+            </a:r>
+            <a:r>
+              <a:rPr/>
+              <a:t> </a:t>
+            </a:r>
+            <a:r>
+              <a:rPr/>
+              <a:t>a</a:t>
+            </a:r>
+            <a:r>
+              <a:rPr/>
+              <a:t> </a:t>
+            </a:r>
+            <a:r>
+              <a:rPr/>
+              <a:t>server.</a:t>
+            </a:r>
+          </a:p>
+          <a:p>
+            <a:pPr lvl="0" marL="0" indent="0">
+              <a:buNone/>
+            </a:pPr>
+          </a:p>
+          <a:p>
+            <a:pPr lvl="1"/>
+            <a:r>
+              <a:rPr/>
+              <a:t>Lots</a:t>
+            </a:r>
+            <a:r>
+              <a:rPr/>
+              <a:t> </a:t>
+            </a:r>
+            <a:r>
+              <a:rPr/>
+              <a:t>of</a:t>
+            </a:r>
+            <a:r>
+              <a:rPr/>
+              <a:t> </a:t>
+            </a:r>
+            <a:r>
+              <a:rPr/>
+              <a:t>popular</a:t>
+            </a:r>
+            <a:r>
+              <a:rPr/>
+              <a:t> </a:t>
+            </a:r>
+            <a:r>
+              <a:rPr/>
+              <a:t>sites</a:t>
+            </a:r>
+            <a:r>
+              <a:rPr/>
+              <a:t> </a:t>
+            </a:r>
+            <a:r>
+              <a:rPr/>
+              <a:t>or</a:t>
+            </a:r>
+            <a:r>
+              <a:rPr/>
+              <a:t> </a:t>
+            </a:r>
+            <a:r>
+              <a:rPr/>
+              <a:t>web</a:t>
+            </a:r>
+            <a:r>
+              <a:rPr/>
+              <a:t> </a:t>
+            </a:r>
+            <a:r>
+              <a:rPr/>
+              <a:t>apps</a:t>
+            </a:r>
+            <a:r>
+              <a:rPr/>
+              <a:t> </a:t>
+            </a:r>
+            <a:r>
+              <a:rPr/>
+              <a:t>have</a:t>
+            </a:r>
+            <a:r>
+              <a:rPr/>
+              <a:t> </a:t>
+            </a:r>
+            <a:r>
+              <a:rPr/>
+              <a:t>a</a:t>
+            </a:r>
+            <a:r>
+              <a:rPr/>
+              <a:t> </a:t>
+            </a:r>
+            <a:r>
+              <a:rPr/>
+              <a:t>curation</a:t>
+            </a:r>
+            <a:r>
+              <a:rPr/>
+              <a:t> </a:t>
+            </a:r>
+            <a:r>
+              <a:rPr/>
+              <a:t>element</a:t>
+            </a:r>
+            <a:r>
+              <a:rPr/>
+              <a:t> </a:t>
+            </a:r>
+            <a:r>
+              <a:rPr/>
+              <a:t>to</a:t>
+            </a:r>
+            <a:r>
+              <a:rPr/>
+              <a:t> </a:t>
+            </a:r>
+            <a:r>
+              <a:rPr/>
+              <a:t>them:</a:t>
+            </a:r>
+          </a:p>
+          <a:p>
+            <a:pPr lvl="0" marL="0" indent="0">
+              <a:buNone/>
+            </a:pPr>
+          </a:p>
+          <a:p>
+            <a:pPr lvl="2"/>
+            <a:r>
+              <a:rPr/>
+              <a:t>Sites</a:t>
+            </a:r>
+            <a:r>
+              <a:rPr/>
+              <a:t> </a:t>
+            </a:r>
+            <a:r>
+              <a:rPr/>
+              <a:t>like</a:t>
+            </a:r>
+            <a:r>
+              <a:rPr/>
+              <a:t> </a:t>
+            </a:r>
+            <a:r>
+              <a:rPr/>
+              <a:t>Facebook,</a:t>
+            </a:r>
+            <a:r>
+              <a:rPr/>
+              <a:t> </a:t>
+            </a:r>
+            <a:r>
+              <a:rPr/>
+              <a:t>YouTube,</a:t>
+            </a:r>
+            <a:r>
+              <a:rPr/>
+              <a:t> </a:t>
+            </a:r>
+            <a:r>
+              <a:rPr/>
+              <a:t>Instagram,Twitter,</a:t>
+            </a:r>
+            <a:r>
+              <a:rPr/>
+              <a:t> </a:t>
+            </a:r>
+            <a:r>
+              <a:rPr/>
+              <a:t>and</a:t>
+            </a:r>
+            <a:r>
+              <a:rPr/>
+              <a:t> </a:t>
+            </a:r>
+            <a:r>
+              <a:rPr/>
+              <a:t>especially</a:t>
+            </a:r>
+            <a:r>
+              <a:rPr/>
+              <a:t> </a:t>
+            </a:r>
+            <a:r>
+              <a:rPr/>
+              <a:t>Pinterest</a:t>
+            </a:r>
+            <a:r>
+              <a:rPr/>
+              <a:t> </a:t>
+            </a:r>
+            <a:r>
+              <a:rPr/>
+              <a:t>allow</a:t>
+            </a:r>
+            <a:r>
+              <a:rPr/>
+              <a:t> </a:t>
+            </a:r>
+            <a:r>
+              <a:rPr/>
+              <a:t>users</a:t>
+            </a:r>
+            <a:r>
+              <a:rPr/>
+              <a:t> </a:t>
+            </a:r>
+            <a:r>
+              <a:rPr/>
+              <a:t>to</a:t>
+            </a:r>
+            <a:r>
+              <a:rPr/>
+              <a:t> </a:t>
+            </a:r>
+            <a:r>
+              <a:rPr/>
+              <a:t>curate</a:t>
+            </a:r>
+            <a:r>
+              <a:rPr/>
+              <a:t> </a:t>
+            </a:r>
+            <a:r>
+              <a:rPr/>
+              <a:t>their</a:t>
+            </a:r>
+            <a:r>
+              <a:rPr/>
+              <a:t> </a:t>
+            </a:r>
+            <a:r>
+              <a:rPr/>
+              <a:t>own</a:t>
+            </a:r>
+            <a:r>
+              <a:rPr/>
+              <a:t> </a:t>
+            </a:r>
+            <a:r>
+              <a:rPr/>
+              <a:t>content.</a:t>
+            </a:r>
+          </a:p>
+          <a:p>
+            <a:pPr lvl="0" marL="0" indent="0">
+              <a:buNone/>
+            </a:pPr>
+          </a:p>
+          <a:p>
+            <a:pPr lvl="2"/>
+            <a:r>
+              <a:rPr/>
+              <a:t>Sites</a:t>
+            </a:r>
+            <a:r>
+              <a:rPr/>
+              <a:t> </a:t>
+            </a:r>
+            <a:r>
+              <a:rPr/>
+              <a:t>like</a:t>
+            </a:r>
+            <a:r>
+              <a:rPr/>
+              <a:t> </a:t>
+            </a:r>
+            <a:r>
+              <a:rPr/>
+              <a:t>BoingBoing,</a:t>
+            </a:r>
+            <a:r>
+              <a:rPr/>
+              <a:t> </a:t>
+            </a:r>
+            <a:r>
+              <a:rPr/>
+              <a:t>Laughing</a:t>
+            </a:r>
+            <a:r>
+              <a:rPr/>
+              <a:t> </a:t>
+            </a:r>
+            <a:r>
+              <a:rPr/>
+              <a:t>Squid,</a:t>
+            </a:r>
+            <a:r>
+              <a:rPr/>
+              <a:t> </a:t>
+            </a:r>
+            <a:r>
+              <a:rPr/>
+              <a:t>Brain</a:t>
+            </a:r>
+            <a:r>
+              <a:rPr/>
+              <a:t> </a:t>
+            </a:r>
+            <a:r>
+              <a:rPr/>
+              <a:t>Pickings</a:t>
+            </a:r>
+            <a:r>
+              <a:rPr/>
+              <a:t> </a:t>
+            </a:r>
+            <a:r>
+              <a:rPr/>
+              <a:t>have</a:t>
+            </a:r>
+            <a:r>
+              <a:rPr/>
+              <a:t> </a:t>
+            </a:r>
+            <a:r>
+              <a:rPr/>
+              <a:t>full-time</a:t>
+            </a:r>
+            <a:r>
+              <a:rPr/>
+              <a:t> </a:t>
+            </a:r>
+            <a:r>
+              <a:rPr/>
+              <a:t>editors</a:t>
+            </a:r>
+            <a:r>
+              <a:rPr/>
+              <a:t> </a:t>
+            </a:r>
+            <a:r>
+              <a:rPr/>
+              <a:t>who</a:t>
+            </a:r>
+            <a:r>
+              <a:rPr/>
+              <a:t> </a:t>
+            </a:r>
+            <a:r>
+              <a:rPr/>
+              <a:t>curate</a:t>
+            </a:r>
+            <a:r>
+              <a:rPr/>
+              <a:t> </a:t>
+            </a:r>
+            <a:r>
+              <a:rPr/>
+              <a:t>content</a:t>
+            </a:r>
+            <a:r>
+              <a:rPr/>
+              <a:t> </a:t>
+            </a:r>
+            <a:r>
+              <a:rPr/>
+              <a:t>from</a:t>
+            </a:r>
+            <a:r>
+              <a:rPr/>
+              <a:t> </a:t>
+            </a:r>
+            <a:r>
+              <a:rPr/>
+              <a:t>other</a:t>
+            </a:r>
+            <a:r>
+              <a:rPr/>
+              <a:t> </a:t>
+            </a:r>
+            <a:r>
+              <a:rPr/>
+              <a:t>parts</a:t>
+            </a:r>
+            <a:r>
+              <a:rPr/>
+              <a:t> </a:t>
+            </a:r>
+            <a:r>
+              <a:rPr/>
+              <a:t>of</a:t>
+            </a:r>
+            <a:r>
+              <a:rPr/>
+              <a:t> </a:t>
+            </a:r>
+            <a:r>
+              <a:rPr/>
+              <a:t>the</a:t>
+            </a:r>
+            <a:r>
+              <a:rPr/>
+              <a:t> </a:t>
+            </a:r>
+            <a:r>
+              <a:rPr/>
+              <a:t>web.</a:t>
+            </a:r>
+            <a:r>
+              <a:rPr/>
+              <a:t> </a:t>
+            </a:r>
+            <a:r>
+              <a:rPr/>
+              <a:t>Lots</a:t>
+            </a:r>
+            <a:r>
+              <a:rPr/>
+              <a:t> </a:t>
+            </a:r>
+            <a:r>
+              <a:rPr/>
+              <a:t>of</a:t>
+            </a:r>
+            <a:r>
+              <a:rPr/>
+              <a:t> </a:t>
+            </a:r>
+            <a:r>
+              <a:rPr/>
+              <a:t>blogs</a:t>
+            </a:r>
+            <a:r>
+              <a:rPr/>
+              <a:t> </a:t>
+            </a:r>
+            <a:r>
+              <a:rPr/>
+              <a:t>work</a:t>
+            </a:r>
+            <a:r>
+              <a:rPr/>
+              <a:t> </a:t>
+            </a:r>
+            <a:r>
+              <a:rPr/>
+              <a:t>this</a:t>
+            </a:r>
+            <a:r>
+              <a:rPr/>
+              <a:t> </a:t>
+            </a:r>
+            <a:r>
+              <a:rPr/>
+              <a:t>way,</a:t>
+            </a:r>
+            <a:r>
+              <a:rPr/>
+              <a:t> </a:t>
+            </a:r>
+            <a:r>
+              <a:rPr/>
+              <a:t>too.</a:t>
+            </a:r>
+          </a:p>
+          <a:p>
+            <a:pPr lvl="0" marL="0" indent="0">
+              <a:buNone/>
+            </a:pPr>
+          </a:p>
+          <a:p>
+            <a:pPr lvl="1"/>
+            <a:r>
+              <a:rPr/>
+              <a:t>Sometimes</a:t>
+            </a:r>
+            <a:r>
+              <a:rPr/>
+              <a:t> </a:t>
+            </a:r>
+            <a:r>
+              <a:rPr/>
+              <a:t>editors</a:t>
+            </a:r>
+            <a:r>
+              <a:rPr/>
+              <a:t> </a:t>
+            </a:r>
+            <a:r>
+              <a:rPr/>
+              <a:t>gather</a:t>
+            </a:r>
+            <a:r>
+              <a:rPr/>
+              <a:t> </a:t>
+            </a:r>
+            <a:r>
+              <a:rPr/>
+              <a:t>content</a:t>
+            </a:r>
+            <a:r>
+              <a:rPr/>
+              <a:t> </a:t>
+            </a:r>
+            <a:r>
+              <a:rPr/>
+              <a:t>and</a:t>
+            </a:r>
+            <a:r>
+              <a:rPr/>
+              <a:t> </a:t>
+            </a:r>
+            <a:r>
+              <a:rPr/>
+              <a:t>add</a:t>
+            </a:r>
+            <a:r>
+              <a:rPr/>
+              <a:t> </a:t>
+            </a:r>
+            <a:r>
+              <a:rPr/>
+              <a:t>in-depth</a:t>
+            </a:r>
+            <a:r>
+              <a:rPr/>
+              <a:t> </a:t>
+            </a:r>
+            <a:r>
+              <a:rPr/>
+              <a:t>commentary</a:t>
+            </a:r>
+            <a:r>
+              <a:rPr/>
+              <a:t> </a:t>
+            </a:r>
+            <a:r>
+              <a:rPr/>
+              <a:t>or</a:t>
+            </a:r>
+            <a:r>
+              <a:rPr/>
+              <a:t> </a:t>
+            </a:r>
+            <a:r>
+              <a:rPr/>
+              <a:t>review</a:t>
+            </a:r>
+            <a:r>
+              <a:rPr/>
+              <a:t> </a:t>
+            </a:r>
+            <a:r>
+              <a:rPr/>
+              <a:t>that</a:t>
+            </a:r>
+            <a:r>
+              <a:rPr/>
+              <a:t> </a:t>
+            </a:r>
+            <a:r>
+              <a:rPr/>
+              <a:t>reveals</a:t>
+            </a:r>
+            <a:r>
+              <a:rPr/>
+              <a:t> </a:t>
+            </a:r>
+            <a:r>
+              <a:rPr/>
+              <a:t>a</a:t>
+            </a:r>
+            <a:r>
+              <a:rPr/>
+              <a:t> </a:t>
+            </a:r>
+            <a:r>
+              <a:rPr/>
+              <a:t>new</a:t>
+            </a:r>
+            <a:r>
+              <a:rPr/>
+              <a:t> </a:t>
+            </a:r>
+            <a:r>
+              <a:rPr/>
+              <a:t>idea</a:t>
+            </a:r>
+            <a:r>
+              <a:rPr/>
+              <a:t> </a:t>
+            </a:r>
+            <a:r>
+              <a:rPr/>
+              <a:t>or</a:t>
+            </a:r>
+            <a:r>
+              <a:rPr/>
+              <a:t> </a:t>
+            </a:r>
+            <a:r>
+              <a:rPr/>
+              <a:t>perspective</a:t>
+            </a:r>
+            <a:r>
+              <a:rPr/>
+              <a:t> </a:t>
+            </a:r>
+            <a:r>
+              <a:rPr/>
+              <a:t>(on</a:t>
+            </a:r>
+            <a:r>
+              <a:rPr/>
+              <a:t> </a:t>
+            </a:r>
+            <a:r>
+              <a:rPr/>
+              <a:t>a</a:t>
+            </a:r>
+            <a:r>
+              <a:rPr/>
+              <a:t> </a:t>
+            </a:r>
+            <a:r>
+              <a:rPr/>
+              <a:t>blog</a:t>
+            </a:r>
+            <a:r>
+              <a:rPr/>
+              <a:t> </a:t>
+            </a:r>
+            <a:r>
+              <a:rPr/>
+              <a:t>like</a:t>
+            </a:r>
+            <a:r>
+              <a:rPr/>
+              <a:t> </a:t>
+            </a:r>
+            <a:r>
+              <a:rPr/>
+              <a:t>Brain</a:t>
+            </a:r>
+            <a:r>
+              <a:rPr/>
+              <a:t> </a:t>
+            </a:r>
+            <a:r>
+              <a:rPr/>
+              <a:t>Pickings</a:t>
+            </a:r>
+            <a:r>
+              <a:rPr/>
+              <a:t> </a:t>
+            </a:r>
+            <a:r>
+              <a:rPr/>
+              <a:t>for</a:t>
+            </a:r>
+            <a:r>
+              <a:rPr/>
+              <a:t> </a:t>
+            </a:r>
+            <a:r>
+              <a:rPr/>
+              <a:t>example)</a:t>
+            </a:r>
+            <a:r>
+              <a:rPr/>
+              <a:t> </a:t>
+            </a:r>
+            <a:r>
+              <a:rPr/>
+              <a:t>sometimes</a:t>
+            </a:r>
+            <a:r>
+              <a:rPr/>
+              <a:t> </a:t>
+            </a:r>
+            <a:r>
+              <a:rPr/>
+              <a:t>they</a:t>
+            </a:r>
+            <a:r>
+              <a:rPr/>
+              <a:t> </a:t>
+            </a:r>
+            <a:r>
+              <a:rPr/>
+              <a:t>just</a:t>
+            </a:r>
+            <a:r>
+              <a:rPr/>
+              <a:t> </a:t>
+            </a:r>
+            <a:r>
+              <a:rPr/>
+              <a:t>share</a:t>
+            </a:r>
+            <a:r>
+              <a:rPr/>
+              <a:t> </a:t>
+            </a:r>
+            <a:r>
+              <a:rPr/>
+              <a:t>something</a:t>
+            </a:r>
+            <a:r>
+              <a:rPr/>
+              <a:t> </a:t>
+            </a:r>
+            <a:r>
+              <a:rPr/>
+              <a:t>without</a:t>
+            </a:r>
+            <a:r>
+              <a:rPr/>
+              <a:t> </a:t>
+            </a:r>
+            <a:r>
+              <a:rPr/>
+              <a:t>any</a:t>
+            </a:r>
+            <a:r>
+              <a:rPr/>
+              <a:t> </a:t>
+            </a:r>
+            <a:r>
+              <a:rPr/>
+              <a:t>comment</a:t>
+            </a:r>
+            <a:r>
+              <a:rPr/>
+              <a:t> </a:t>
+            </a:r>
+            <a:r>
+              <a:rPr/>
+              <a:t>or</a:t>
+            </a:r>
+            <a:r>
+              <a:rPr/>
+              <a:t> </a:t>
+            </a:r>
+            <a:r>
+              <a:rPr/>
+              <a:t>very</a:t>
+            </a:r>
+            <a:r>
+              <a:rPr/>
+              <a:t> </a:t>
+            </a:r>
+            <a:r>
+              <a:rPr/>
+              <a:t>brief</a:t>
+            </a:r>
+            <a:r>
+              <a:rPr/>
+              <a:t> </a:t>
+            </a:r>
+            <a:r>
+              <a:rPr/>
+              <a:t>comments</a:t>
+            </a:r>
+            <a:r>
+              <a:rPr/>
+              <a:t> </a:t>
+            </a:r>
+            <a:r>
+              <a:rPr/>
+              <a:t>(on</a:t>
+            </a:r>
+            <a:r>
+              <a:rPr/>
+              <a:t> </a:t>
+            </a:r>
+            <a:r>
+              <a:rPr/>
+              <a:t>sites</a:t>
+            </a:r>
+            <a:r>
+              <a:rPr/>
+              <a:t> </a:t>
+            </a:r>
+            <a:r>
+              <a:rPr/>
+              <a:t>like</a:t>
+            </a:r>
+            <a:r>
+              <a:rPr/>
+              <a:t> </a:t>
+            </a:r>
+            <a:r>
+              <a:rPr/>
+              <a:t>Pinterest)</a:t>
+            </a:r>
+          </a:p>
+          <a:p>
+            <a:pPr lvl="0" marL="0" indent="0">
+              <a:buNone/>
+            </a:pPr>
+          </a:p>
+          <a:p>
+            <a:pPr lvl="1"/>
+            <a:r>
+              <a:rPr/>
+              <a:t>Whether</a:t>
+            </a:r>
+            <a:r>
+              <a:rPr/>
+              <a:t> </a:t>
+            </a:r>
+            <a:r>
+              <a:rPr/>
+              <a:t>you</a:t>
+            </a:r>
+            <a:r>
+              <a:rPr/>
+              <a:t> </a:t>
+            </a:r>
+            <a:r>
+              <a:rPr/>
+              <a:t>know</a:t>
+            </a:r>
+            <a:r>
+              <a:rPr/>
+              <a:t> </a:t>
+            </a:r>
+            <a:r>
+              <a:rPr/>
+              <a:t>it</a:t>
+            </a:r>
+            <a:r>
+              <a:rPr/>
+              <a:t> </a:t>
+            </a:r>
+            <a:r>
+              <a:rPr/>
+              <a:t>or</a:t>
+            </a:r>
+            <a:r>
+              <a:rPr/>
+              <a:t> </a:t>
+            </a:r>
+            <a:r>
+              <a:rPr/>
+              <a:t>not,</a:t>
+            </a:r>
+            <a:r>
+              <a:rPr/>
+              <a:t> </a:t>
+            </a:r>
+            <a:r>
+              <a:rPr/>
+              <a:t>if</a:t>
+            </a:r>
+            <a:r>
+              <a:rPr/>
+              <a:t> </a:t>
+            </a:r>
+            <a:r>
+              <a:rPr/>
+              <a:t>you</a:t>
+            </a:r>
+            <a:r>
+              <a:rPr/>
+              <a:t> </a:t>
+            </a:r>
+            <a:r>
+              <a:rPr/>
+              <a:t>use</a:t>
+            </a:r>
+            <a:r>
+              <a:rPr/>
+              <a:t> </a:t>
+            </a:r>
+            <a:r>
+              <a:rPr/>
+              <a:t>sites</a:t>
+            </a:r>
+            <a:r>
+              <a:rPr/>
+              <a:t> </a:t>
+            </a:r>
+            <a:r>
+              <a:rPr/>
+              <a:t>like</a:t>
+            </a:r>
+            <a:r>
+              <a:rPr/>
+              <a:t> </a:t>
+            </a:r>
+            <a:r>
+              <a:rPr/>
+              <a:t>Instagram,</a:t>
+            </a:r>
+            <a:r>
+              <a:rPr/>
+              <a:t> </a:t>
+            </a:r>
+            <a:r>
+              <a:rPr/>
+              <a:t>Twitter,</a:t>
+            </a:r>
+            <a:r>
+              <a:rPr/>
+              <a:t> </a:t>
+            </a:r>
+            <a:r>
+              <a:rPr/>
+              <a:t>or</a:t>
+            </a:r>
+            <a:r>
+              <a:rPr/>
+              <a:t> </a:t>
+            </a:r>
+            <a:r>
+              <a:rPr/>
+              <a:t>facebook,</a:t>
+            </a:r>
+            <a:r>
+              <a:rPr/>
+              <a:t> </a:t>
+            </a:r>
+            <a:r>
+              <a:rPr/>
+              <a:t>you</a:t>
+            </a:r>
+            <a:r>
+              <a:rPr/>
+              <a:t> </a:t>
+            </a:r>
+            <a:r>
+              <a:rPr/>
+              <a:t>are</a:t>
+            </a:r>
+            <a:r>
+              <a:rPr/>
+              <a:t> </a:t>
+            </a:r>
+            <a:r>
+              <a:rPr/>
+              <a:t>curating</a:t>
+            </a:r>
+            <a:r>
+              <a:rPr/>
+              <a:t> </a:t>
+            </a:r>
+            <a:r>
+              <a:rPr/>
+              <a:t>content!</a:t>
+            </a:r>
+            <a:r>
+              <a:rPr/>
+              <a:t> </a:t>
+            </a:r>
+            <a:r>
+              <a:rPr/>
+              <a:t>You</a:t>
+            </a:r>
+            <a:r>
+              <a:rPr/>
+              <a:t> </a:t>
+            </a:r>
+            <a:r>
+              <a:rPr/>
+              <a:t>may</a:t>
+            </a:r>
+            <a:r>
+              <a:rPr/>
+              <a:t> </a:t>
+            </a:r>
+            <a:r>
+              <a:rPr/>
+              <a:t>be</a:t>
+            </a:r>
+            <a:r>
+              <a:rPr/>
+              <a:t> </a:t>
+            </a:r>
+            <a:r>
+              <a:rPr/>
+              <a:t>using</a:t>
+            </a:r>
+            <a:r>
+              <a:rPr/>
+              <a:t> </a:t>
+            </a:r>
+            <a:r>
+              <a:rPr/>
+              <a:t>your</a:t>
+            </a:r>
+            <a:r>
+              <a:rPr/>
+              <a:t> </a:t>
+            </a:r>
+            <a:r>
+              <a:rPr/>
+              <a:t>own</a:t>
+            </a:r>
+            <a:r>
+              <a:rPr/>
+              <a:t> </a:t>
+            </a:r>
+            <a:r>
+              <a:rPr/>
+              <a:t>content,</a:t>
+            </a:r>
+            <a:r>
+              <a:rPr/>
+              <a:t> </a:t>
+            </a:r>
+            <a:r>
+              <a:rPr/>
+              <a:t>or</a:t>
+            </a:r>
+            <a:r>
+              <a:rPr/>
+              <a:t> </a:t>
+            </a:r>
+            <a:r>
+              <a:rPr/>
+              <a:t>it</a:t>
+            </a:r>
+            <a:r>
+              <a:rPr/>
+              <a:t> </a:t>
+            </a:r>
+            <a:r>
+              <a:rPr/>
+              <a:t>could</a:t>
+            </a:r>
+            <a:r>
+              <a:rPr/>
+              <a:t> </a:t>
+            </a:r>
+            <a:r>
+              <a:rPr/>
+              <a:t>be</a:t>
+            </a:r>
+            <a:r>
+              <a:rPr/>
+              <a:t> </a:t>
+            </a:r>
+            <a:r>
+              <a:rPr/>
+              <a:t>content</a:t>
+            </a:r>
+            <a:r>
+              <a:rPr/>
+              <a:t> </a:t>
+            </a:r>
+            <a:r>
+              <a:rPr/>
+              <a:t>(like</a:t>
+            </a:r>
+            <a:r>
+              <a:rPr/>
+              <a:t> </a:t>
+            </a:r>
+            <a:r>
+              <a:rPr/>
+              <a:t>videos,</a:t>
+            </a:r>
+            <a:r>
+              <a:rPr/>
+              <a:t> </a:t>
+            </a:r>
+            <a:r>
+              <a:rPr/>
+              <a:t>memes,</a:t>
+            </a:r>
+            <a:r>
+              <a:rPr/>
+              <a:t> </a:t>
+            </a:r>
+            <a:r>
+              <a:rPr/>
+              <a:t>gifs,</a:t>
+            </a:r>
+            <a:r>
+              <a:rPr/>
+              <a:t> </a:t>
+            </a:r>
+            <a:r>
+              <a:rPr/>
+              <a:t>articles)</a:t>
+            </a:r>
+            <a:r>
+              <a:rPr/>
+              <a:t> </a:t>
+            </a:r>
+            <a:r>
+              <a:rPr/>
+              <a:t>that</a:t>
+            </a:r>
+            <a:r>
+              <a:rPr/>
+              <a:t> </a:t>
+            </a:r>
+            <a:r>
+              <a:rPr/>
+              <a:t>you</a:t>
+            </a:r>
+            <a:r>
+              <a:rPr/>
+              <a:t> </a:t>
+            </a:r>
+            <a:r>
+              <a:rPr/>
+              <a:t>found</a:t>
+            </a:r>
+            <a:r>
+              <a:rPr/>
+              <a:t> </a:t>
+            </a:r>
+            <a:r>
+              <a:rPr/>
+              <a:t>somewhere</a:t>
+            </a:r>
+            <a:r>
+              <a:rPr/>
+              <a:t> </a:t>
+            </a:r>
+            <a:r>
+              <a:rPr/>
+              <a:t>else</a:t>
+            </a:r>
+            <a:r>
+              <a:rPr/>
+              <a:t> </a:t>
+            </a:r>
+            <a:r>
+              <a:rPr/>
+              <a:t>on</a:t>
+            </a:r>
+            <a:r>
+              <a:rPr/>
+              <a:t> </a:t>
+            </a:r>
+            <a:r>
+              <a:rPr/>
+              <a:t>the</a:t>
+            </a:r>
+            <a:r>
+              <a:rPr/>
+              <a:t> </a:t>
+            </a:r>
+            <a:r>
+              <a:rPr/>
+              <a:t>web.</a:t>
             </a:r>
           </a:p>
         </p:txBody>
@@ -2543,7 +5605,7 @@
           <a:p>
             <a:fld id="{18BDFEC3-8487-43E8-A154-7C12CBC1FFF2}" type="slidenum">
               <a:rPr lang="en-US"/>
-              <a:t>5</a:t>
+              <a:t>4</a:t>
             </a:fld>
             <a:endParaRPr lang="en-US"/>
           </a:p>
@@ -2598,20 +5660,1349 @@
           <a:bodyPr/>
           <a:lstStyle/>
           <a:p>
+            <a:pPr lvl="1"/>
+            <a:r>
+              <a:rPr/>
+              <a:t>Ask</a:t>
+            </a:r>
+            <a:r>
+              <a:rPr/>
+              <a:t> </a:t>
+            </a:r>
+            <a:r>
+              <a:rPr/>
+              <a:t>learners:</a:t>
+            </a:r>
+          </a:p>
+          <a:p>
             <a:pPr lvl="0" marL="0" indent="0">
               <a:buNone/>
             </a:pPr>
-            <a:r>
-              <a:rPr/>
-              <a:t>[20</a:t>
-            </a:r>
-            <a:r>
-              <a:rPr/>
-              <a:t> </a:t>
-            </a:r>
-            <a:r>
-              <a:rPr/>
-              <a:t>mins]</a:t>
+          </a:p>
+          <a:p>
+            <a:pPr lvl="1"/>
+            <a:r>
+              <a:rPr/>
+              <a:t>Facilitator</a:t>
+            </a:r>
+            <a:r>
+              <a:rPr/>
+              <a:t> </a:t>
+            </a:r>
+            <a:r>
+              <a:rPr/>
+              <a:t>explains</a:t>
+            </a:r>
+            <a:r>
+              <a:rPr/>
+              <a:t> </a:t>
+            </a:r>
+            <a:r>
+              <a:rPr/>
+              <a:t>that</a:t>
+            </a:r>
+            <a:r>
+              <a:rPr/>
+              <a:t> </a:t>
+            </a:r>
+            <a:r>
+              <a:rPr/>
+              <a:t>whenever</a:t>
+            </a:r>
+            <a:r>
+              <a:rPr/>
+              <a:t> </a:t>
+            </a:r>
+            <a:r>
+              <a:rPr/>
+              <a:t>we</a:t>
+            </a:r>
+            <a:r>
+              <a:rPr/>
+              <a:t> </a:t>
+            </a:r>
+            <a:r>
+              <a:rPr/>
+              <a:t>share</a:t>
+            </a:r>
+            <a:r>
+              <a:rPr/>
+              <a:t> </a:t>
+            </a:r>
+            <a:r>
+              <a:rPr/>
+              <a:t>something</a:t>
+            </a:r>
+            <a:r>
+              <a:rPr/>
+              <a:t> </a:t>
+            </a:r>
+            <a:r>
+              <a:rPr/>
+              <a:t>on</a:t>
+            </a:r>
+            <a:r>
+              <a:rPr/>
+              <a:t> </a:t>
+            </a:r>
+            <a:r>
+              <a:rPr/>
+              <a:t>the</a:t>
+            </a:r>
+            <a:r>
+              <a:rPr/>
+              <a:t> </a:t>
+            </a:r>
+            <a:r>
+              <a:rPr/>
+              <a:t>web,</a:t>
+            </a:r>
+            <a:r>
+              <a:rPr/>
+              <a:t> </a:t>
+            </a:r>
+            <a:r>
+              <a:rPr/>
+              <a:t>we</a:t>
+            </a:r>
+            <a:r>
+              <a:rPr/>
+              <a:t> </a:t>
+            </a:r>
+            <a:r>
+              <a:rPr/>
+              <a:t>are</a:t>
+            </a:r>
+            <a:r>
+              <a:rPr/>
+              <a:t> </a:t>
+            </a:r>
+            <a:r>
+              <a:rPr/>
+              <a:t>“</a:t>
+            </a:r>
+            <a:r>
+              <a:rPr/>
+              <a:t>publishing</a:t>
+            </a:r>
+            <a:r>
+              <a:rPr/>
+              <a:t>”</a:t>
+            </a:r>
+            <a:r>
+              <a:rPr/>
+              <a:t> </a:t>
+            </a:r>
+            <a:r>
+              <a:rPr/>
+              <a:t>that</a:t>
+            </a:r>
+            <a:r>
+              <a:rPr/>
+              <a:t> </a:t>
+            </a:r>
+            <a:r>
+              <a:rPr/>
+              <a:t>content–</a:t>
+            </a:r>
+            <a:r>
+              <a:rPr/>
+              <a:t> </a:t>
+            </a:r>
+            <a:r>
+              <a:rPr/>
+              <a:t>releasing</a:t>
+            </a:r>
+            <a:r>
+              <a:rPr/>
+              <a:t> </a:t>
+            </a:r>
+            <a:r>
+              <a:rPr/>
+              <a:t>it</a:t>
+            </a:r>
+            <a:r>
+              <a:rPr/>
+              <a:t> </a:t>
+            </a:r>
+            <a:r>
+              <a:rPr/>
+              <a:t>out</a:t>
+            </a:r>
+            <a:r>
+              <a:rPr/>
+              <a:t> </a:t>
+            </a:r>
+            <a:r>
+              <a:rPr/>
+              <a:t>into</a:t>
+            </a:r>
+            <a:r>
+              <a:rPr/>
+              <a:t> </a:t>
+            </a:r>
+            <a:r>
+              <a:rPr/>
+              <a:t>the</a:t>
+            </a:r>
+            <a:r>
+              <a:rPr/>
+              <a:t> </a:t>
+            </a:r>
+            <a:r>
+              <a:rPr/>
+              <a:t>world.</a:t>
+            </a:r>
+          </a:p>
+          <a:p>
+            <a:pPr lvl="0" marL="0" indent="0">
+              <a:buNone/>
+            </a:pPr>
+          </a:p>
+          <a:p>
+            <a:pPr lvl="1"/>
+            <a:r>
+              <a:rPr/>
+              <a:t>On</a:t>
+            </a:r>
+            <a:r>
+              <a:rPr/>
+              <a:t> </a:t>
+            </a:r>
+            <a:r>
+              <a:rPr/>
+              <a:t>social</a:t>
+            </a:r>
+            <a:r>
+              <a:rPr/>
+              <a:t> </a:t>
+            </a:r>
+            <a:r>
+              <a:rPr/>
+              <a:t>media</a:t>
+            </a:r>
+            <a:r>
+              <a:rPr/>
+              <a:t> </a:t>
+            </a:r>
+            <a:r>
+              <a:rPr/>
+              <a:t>sites,</a:t>
+            </a:r>
+            <a:r>
+              <a:rPr/>
+              <a:t> </a:t>
+            </a:r>
+            <a:r>
+              <a:rPr/>
+              <a:t>we</a:t>
+            </a:r>
+            <a:r>
+              <a:rPr/>
+              <a:t> </a:t>
+            </a:r>
+            <a:r>
+              <a:rPr/>
+              <a:t>might</a:t>
+            </a:r>
+            <a:r>
+              <a:rPr/>
+              <a:t> </a:t>
+            </a:r>
+            <a:r>
+              <a:rPr/>
+              <a:t>be</a:t>
+            </a:r>
+            <a:r>
+              <a:rPr/>
+              <a:t> </a:t>
+            </a:r>
+            <a:r>
+              <a:rPr/>
+              <a:t>able</a:t>
+            </a:r>
+            <a:r>
+              <a:rPr/>
+              <a:t> </a:t>
+            </a:r>
+            <a:r>
+              <a:rPr/>
+              <a:t>to</a:t>
+            </a:r>
+            <a:r>
+              <a:rPr/>
+              <a:t> </a:t>
+            </a:r>
+            <a:r>
+              <a:rPr/>
+              <a:t>use</a:t>
+            </a:r>
+            <a:r>
+              <a:rPr/>
+              <a:t> </a:t>
+            </a:r>
+            <a:r>
+              <a:rPr/>
+              <a:t>settings</a:t>
+            </a:r>
+            <a:r>
+              <a:rPr/>
+              <a:t> </a:t>
+            </a:r>
+            <a:r>
+              <a:rPr/>
+              <a:t>to</a:t>
+            </a:r>
+            <a:r>
+              <a:rPr/>
+              <a:t> </a:t>
+            </a:r>
+            <a:r>
+              <a:rPr/>
+              <a:t>limit</a:t>
+            </a:r>
+            <a:r>
+              <a:rPr/>
+              <a:t> </a:t>
+            </a:r>
+            <a:r>
+              <a:rPr/>
+              <a:t>who</a:t>
+            </a:r>
+            <a:r>
+              <a:rPr/>
+              <a:t> </a:t>
+            </a:r>
+            <a:r>
+              <a:rPr/>
+              <a:t>sees</a:t>
+            </a:r>
+            <a:r>
+              <a:rPr/>
+              <a:t> </a:t>
+            </a:r>
+            <a:r>
+              <a:rPr/>
+              <a:t>this</a:t>
+            </a:r>
+            <a:r>
+              <a:rPr/>
+              <a:t> </a:t>
+            </a:r>
+            <a:r>
+              <a:rPr/>
+              <a:t>content</a:t>
+            </a:r>
+            <a:r>
+              <a:rPr/>
+              <a:t> </a:t>
+            </a:r>
+            <a:r>
+              <a:rPr/>
+              <a:t>(for</a:t>
+            </a:r>
+            <a:r>
+              <a:rPr/>
+              <a:t> </a:t>
+            </a:r>
+            <a:r>
+              <a:rPr/>
+              <a:t>example,</a:t>
+            </a:r>
+            <a:r>
+              <a:rPr/>
+              <a:t> </a:t>
+            </a:r>
+            <a:r>
+              <a:rPr/>
+              <a:t>groups</a:t>
+            </a:r>
+            <a:r>
+              <a:rPr/>
+              <a:t> </a:t>
+            </a:r>
+            <a:r>
+              <a:rPr/>
+              <a:t>of</a:t>
+            </a:r>
+            <a:r>
+              <a:rPr/>
+              <a:t> </a:t>
+            </a:r>
+            <a:r>
+              <a:rPr/>
+              <a:t>“</a:t>
+            </a:r>
+            <a:r>
+              <a:rPr/>
+              <a:t>friends</a:t>
+            </a:r>
+            <a:r>
+              <a:rPr/>
+              <a:t>”</a:t>
+            </a:r>
+            <a:r>
+              <a:rPr/>
+              <a:t> </a:t>
+            </a:r>
+            <a:r>
+              <a:rPr/>
+              <a:t>only)</a:t>
+            </a:r>
+          </a:p>
+          <a:p>
+            <a:pPr lvl="0" marL="0" indent="0">
+              <a:buNone/>
+            </a:pPr>
+          </a:p>
+          <a:p>
+            <a:pPr lvl="1"/>
+            <a:r>
+              <a:rPr/>
+              <a:t>If</a:t>
+            </a:r>
+            <a:r>
+              <a:rPr/>
+              <a:t> </a:t>
+            </a:r>
+            <a:r>
+              <a:rPr/>
+              <a:t>we</a:t>
+            </a:r>
+            <a:r>
+              <a:rPr/>
+              <a:t> </a:t>
+            </a:r>
+            <a:r>
+              <a:rPr/>
+              <a:t>don’t</a:t>
+            </a:r>
+            <a:r>
+              <a:rPr/>
+              <a:t> </a:t>
+            </a:r>
+            <a:r>
+              <a:rPr/>
+              <a:t>have</a:t>
+            </a:r>
+            <a:r>
+              <a:rPr/>
+              <a:t> </a:t>
+            </a:r>
+            <a:r>
+              <a:rPr/>
+              <a:t>restrictions</a:t>
+            </a:r>
+            <a:r>
+              <a:rPr/>
+              <a:t> </a:t>
+            </a:r>
+            <a:r>
+              <a:rPr/>
+              <a:t>on</a:t>
+            </a:r>
+            <a:r>
+              <a:rPr/>
+              <a:t> </a:t>
+            </a:r>
+            <a:r>
+              <a:rPr/>
+              <a:t>sharing,</a:t>
+            </a:r>
+            <a:r>
+              <a:rPr/>
+              <a:t> </a:t>
+            </a:r>
+            <a:r>
+              <a:rPr/>
+              <a:t>or</a:t>
+            </a:r>
+            <a:r>
+              <a:rPr/>
+              <a:t> </a:t>
+            </a:r>
+            <a:r>
+              <a:rPr/>
+              <a:t>if</a:t>
+            </a:r>
+            <a:r>
+              <a:rPr/>
+              <a:t> </a:t>
+            </a:r>
+            <a:r>
+              <a:rPr/>
+              <a:t>we’re</a:t>
+            </a:r>
+            <a:r>
+              <a:rPr/>
+              <a:t> </a:t>
+            </a:r>
+            <a:r>
+              <a:rPr/>
+              <a:t>publishing</a:t>
+            </a:r>
+            <a:r>
+              <a:rPr/>
+              <a:t> </a:t>
+            </a:r>
+            <a:r>
+              <a:rPr/>
+              <a:t>to</a:t>
+            </a:r>
+            <a:r>
+              <a:rPr/>
+              <a:t> </a:t>
+            </a:r>
+            <a:r>
+              <a:rPr/>
+              <a:t>a</a:t>
+            </a:r>
+            <a:r>
+              <a:rPr/>
+              <a:t> </a:t>
+            </a:r>
+            <a:r>
+              <a:rPr/>
+              <a:t>web</a:t>
+            </a:r>
+            <a:r>
+              <a:rPr/>
+              <a:t> </a:t>
+            </a:r>
+            <a:r>
+              <a:rPr/>
+              <a:t>page</a:t>
+            </a:r>
+            <a:r>
+              <a:rPr/>
+              <a:t> </a:t>
+            </a:r>
+            <a:r>
+              <a:rPr/>
+              <a:t>that</a:t>
+            </a:r>
+            <a:r>
+              <a:rPr/>
+              <a:t> </a:t>
+            </a:r>
+            <a:r>
+              <a:rPr/>
+              <a:t>everyone</a:t>
+            </a:r>
+            <a:r>
+              <a:rPr/>
+              <a:t> </a:t>
+            </a:r>
+            <a:r>
+              <a:rPr/>
+              <a:t>has</a:t>
+            </a:r>
+            <a:r>
+              <a:rPr/>
+              <a:t> </a:t>
+            </a:r>
+            <a:r>
+              <a:rPr/>
+              <a:t>access</a:t>
+            </a:r>
+            <a:r>
+              <a:rPr/>
+              <a:t> </a:t>
+            </a:r>
+            <a:r>
+              <a:rPr/>
+              <a:t>to,</a:t>
+            </a:r>
+            <a:r>
+              <a:rPr/>
+              <a:t> </a:t>
+            </a:r>
+            <a:r>
+              <a:rPr/>
+              <a:t>anyone</a:t>
+            </a:r>
+            <a:r>
+              <a:rPr/>
+              <a:t> </a:t>
+            </a:r>
+            <a:r>
+              <a:rPr/>
+              <a:t>can</a:t>
+            </a:r>
+            <a:r>
+              <a:rPr/>
+              <a:t> </a:t>
+            </a:r>
+            <a:r>
+              <a:rPr/>
+              <a:t>see</a:t>
+            </a:r>
+            <a:r>
+              <a:rPr/>
+              <a:t> </a:t>
+            </a:r>
+            <a:r>
+              <a:rPr/>
+              <a:t>our</a:t>
+            </a:r>
+            <a:r>
+              <a:rPr/>
+              <a:t> </a:t>
+            </a:r>
+            <a:r>
+              <a:rPr/>
+              <a:t>content.</a:t>
+            </a:r>
+          </a:p>
+          <a:p>
+            <a:pPr lvl="0" marL="0" indent="0">
+              <a:buNone/>
+            </a:pPr>
+          </a:p>
+          <a:p>
+            <a:pPr lvl="0" marL="1270000" indent="0">
+              <a:buNone/>
+            </a:pPr>
+            <a:r>
+              <a:rPr sz="2000"/>
+              <a:t>Tip!</a:t>
+            </a:r>
+            <a:r>
+              <a:rPr sz="2000"/>
+              <a:t> </a:t>
+            </a:r>
+            <a:r>
+              <a:rPr sz="2000"/>
+              <a:t>Understanding</a:t>
+            </a:r>
+            <a:r>
+              <a:rPr sz="2000"/>
+              <a:t> </a:t>
+            </a:r>
+            <a:r>
+              <a:rPr sz="2000"/>
+              <a:t>what</a:t>
+            </a:r>
+            <a:r>
+              <a:rPr sz="2000"/>
+              <a:t> </a:t>
+            </a:r>
+            <a:r>
+              <a:rPr sz="2000"/>
+              <a:t>can</a:t>
+            </a:r>
+            <a:r>
+              <a:rPr sz="2000"/>
+              <a:t> </a:t>
+            </a:r>
+            <a:r>
+              <a:rPr sz="2000"/>
+              <a:t>happen</a:t>
+            </a:r>
+            <a:r>
+              <a:rPr sz="2000"/>
+              <a:t> </a:t>
+            </a:r>
+            <a:r>
+              <a:rPr sz="2000"/>
+              <a:t>to</a:t>
+            </a:r>
+            <a:r>
+              <a:rPr sz="2000"/>
+              <a:t> </a:t>
+            </a:r>
+            <a:r>
+              <a:rPr sz="2000"/>
+              <a:t>your</a:t>
+            </a:r>
+            <a:r>
+              <a:rPr sz="2000"/>
+              <a:t> </a:t>
+            </a:r>
+            <a:r>
+              <a:rPr sz="2000"/>
+              <a:t>own</a:t>
+            </a:r>
+            <a:r>
+              <a:rPr sz="2000"/>
+              <a:t> </a:t>
+            </a:r>
+            <a:r>
+              <a:rPr sz="2000"/>
+              <a:t>info,</a:t>
+            </a:r>
+            <a:r>
+              <a:rPr sz="2000"/>
+              <a:t> </a:t>
+            </a:r>
+            <a:r>
+              <a:rPr sz="2000"/>
+              <a:t>photos,</a:t>
+            </a:r>
+            <a:r>
+              <a:rPr sz="2000"/>
+              <a:t> </a:t>
+            </a:r>
+            <a:r>
+              <a:rPr sz="2000"/>
+              <a:t>etc</a:t>
+            </a:r>
+            <a:r>
+              <a:rPr sz="2000"/>
+              <a:t> </a:t>
+            </a:r>
+            <a:r>
+              <a:rPr sz="2000"/>
+              <a:t>when</a:t>
+            </a:r>
+            <a:r>
+              <a:rPr sz="2000"/>
+              <a:t> </a:t>
+            </a:r>
+            <a:r>
+              <a:rPr sz="2000"/>
+              <a:t>it’s</a:t>
+            </a:r>
+            <a:r>
+              <a:rPr sz="2000"/>
+              <a:t> </a:t>
+            </a:r>
+            <a:r>
+              <a:rPr sz="2000"/>
+              <a:t>on</a:t>
+            </a:r>
+            <a:r>
+              <a:rPr sz="2000"/>
+              <a:t> </a:t>
+            </a:r>
+            <a:r>
+              <a:rPr sz="2000"/>
+              <a:t>the</a:t>
+            </a:r>
+            <a:r>
+              <a:rPr sz="2000"/>
+              <a:t> </a:t>
+            </a:r>
+            <a:r>
+              <a:rPr sz="2000"/>
+              <a:t>web.</a:t>
+            </a:r>
+          </a:p>
+          <a:p>
+            <a:pPr lvl="0" marL="0" indent="0">
+              <a:buNone/>
+            </a:pPr>
+          </a:p>
+          <a:p>
+            <a:pPr lvl="1"/>
+            <a:r>
+              <a:rPr sz="2000"/>
+              <a:t>What</a:t>
+            </a:r>
+            <a:r>
+              <a:rPr sz="2000"/>
+              <a:t> </a:t>
+            </a:r>
+            <a:r>
+              <a:rPr sz="2000"/>
+              <a:t>is</a:t>
+            </a:r>
+            <a:r>
+              <a:rPr sz="2000"/>
+              <a:t> </a:t>
+            </a:r>
+            <a:r>
+              <a:rPr sz="2000"/>
+              <a:t>default</a:t>
+            </a:r>
+            <a:r>
+              <a:rPr sz="2000"/>
+              <a:t> </a:t>
+            </a:r>
+            <a:r>
+              <a:rPr sz="2000"/>
+              <a:t>permissions</a:t>
+            </a:r>
+            <a:r>
+              <a:rPr sz="2000"/>
+              <a:t> </a:t>
+            </a:r>
+            <a:r>
+              <a:rPr sz="2000"/>
+              <a:t>on</a:t>
+            </a:r>
+            <a:r>
+              <a:rPr sz="2000"/>
+              <a:t> </a:t>
+            </a:r>
+            <a:r>
+              <a:rPr sz="2000"/>
+              <a:t>your</a:t>
+            </a:r>
+            <a:r>
+              <a:rPr sz="2000"/>
+              <a:t> </a:t>
+            </a:r>
+            <a:r>
+              <a:rPr sz="2000"/>
+              <a:t>materials?</a:t>
+            </a:r>
+          </a:p>
+          <a:p>
+            <a:pPr lvl="0" marL="0" indent="0">
+              <a:buNone/>
+            </a:pPr>
+          </a:p>
+          <a:p>
+            <a:pPr lvl="1"/>
+            <a:r>
+              <a:rPr sz="2000"/>
+              <a:t>What</a:t>
+            </a:r>
+            <a:r>
+              <a:rPr sz="2000"/>
+              <a:t> </a:t>
+            </a:r>
+            <a:r>
+              <a:rPr sz="2000"/>
+              <a:t>do</a:t>
+            </a:r>
+            <a:r>
+              <a:rPr sz="2000"/>
+              <a:t> </a:t>
+            </a:r>
+            <a:r>
+              <a:rPr sz="2000"/>
+              <a:t>you</a:t>
+            </a:r>
+            <a:r>
+              <a:rPr sz="2000"/>
+              <a:t> </a:t>
+            </a:r>
+            <a:r>
+              <a:rPr sz="2000"/>
+              <a:t>agree</a:t>
+            </a:r>
+            <a:r>
+              <a:rPr sz="2000"/>
+              <a:t> </a:t>
+            </a:r>
+            <a:r>
+              <a:rPr sz="2000"/>
+              <a:t>to</a:t>
+            </a:r>
+            <a:r>
+              <a:rPr sz="2000"/>
+              <a:t> </a:t>
+            </a:r>
+            <a:r>
+              <a:rPr sz="2000"/>
+              <a:t>when</a:t>
+            </a:r>
+            <a:r>
+              <a:rPr sz="2000"/>
+              <a:t> </a:t>
+            </a:r>
+            <a:r>
+              <a:rPr sz="2000"/>
+              <a:t>you</a:t>
+            </a:r>
+            <a:r>
+              <a:rPr sz="2000"/>
+              <a:t> </a:t>
+            </a:r>
+            <a:r>
+              <a:rPr sz="2000"/>
+              <a:t>share</a:t>
+            </a:r>
+            <a:r>
+              <a:rPr sz="2000"/>
+              <a:t> </a:t>
+            </a:r>
+            <a:r>
+              <a:rPr sz="2000"/>
+              <a:t>on</a:t>
+            </a:r>
+            <a:r>
+              <a:rPr sz="2000"/>
+              <a:t> </a:t>
+            </a:r>
+            <a:r>
+              <a:rPr sz="2000"/>
+              <a:t>some</a:t>
+            </a:r>
+            <a:r>
+              <a:rPr sz="2000"/>
+              <a:t> </a:t>
+            </a:r>
+            <a:r>
+              <a:rPr sz="2000"/>
+              <a:t>sites?</a:t>
+            </a:r>
+          </a:p>
+          <a:p>
+            <a:pPr lvl="0" marL="0" indent="0">
+              <a:buNone/>
+            </a:pPr>
+          </a:p>
+          <a:p>
+            <a:pPr lvl="0" marL="0" indent="0">
+              <a:spcBef>
+                <a:spcPts val="3000"/>
+              </a:spcBef>
+              <a:buNone/>
+            </a:pPr>
+            <a:r>
+              <a:rPr b="1"/>
+              <a:t>Sharing</a:t>
+            </a:r>
+            <a:r>
+              <a:rPr b="1"/>
+              <a:t> </a:t>
+            </a:r>
+            <a:r>
+              <a:rPr b="1"/>
+              <a:t>on</a:t>
+            </a:r>
+            <a:r>
+              <a:rPr b="1"/>
+              <a:t> </a:t>
+            </a:r>
+            <a:r>
+              <a:rPr b="1"/>
+              <a:t>the</a:t>
+            </a:r>
+            <a:r>
+              <a:rPr b="1"/>
+              <a:t> </a:t>
+            </a:r>
+            <a:r>
+              <a:rPr b="1"/>
+              <a:t>web</a:t>
+            </a:r>
+          </a:p>
+          <a:p>
+            <a:pPr lvl="0" marL="0" indent="0">
+              <a:buNone/>
+            </a:pPr>
+          </a:p>
+          <a:p>
+            <a:pPr lvl="0" indent="0">
+              <a:buNone/>
+            </a:pPr>
+            <a:r>
+              <a:rPr>
+                <a:latin typeface="Courier"/>
+              </a:rPr>
+              <a:t>* What are the advantages of this linked nature of the web? What do you like about it? 
+* What don’t you like about it? What questions do you have about it? 
+* What are positive ways that material you share on the web could be used by others? What are some negative ways?</a:t>
+            </a:r>
+          </a:p>
+          <a:p>
+            <a:pPr lvl="0" marL="0" indent="0">
+              <a:buNone/>
+            </a:pPr>
+          </a:p>
+          <a:p>
+            <a:pPr lvl="0" marL="0" indent="0">
+              <a:buNone/>
+            </a:pPr>
+            <a:r>
+              <a:rPr/>
+              <a:t>::</a:t>
+            </a:r>
+            <a:r>
+              <a:rPr/>
+              <a:t> </a:t>
+            </a:r>
+            <a:r>
+              <a:rPr/>
+              <a:t>notes</a:t>
+            </a:r>
+          </a:p>
+          <a:p>
+            <a:pPr lvl="0" marL="0" indent="0">
+              <a:buNone/>
+            </a:pPr>
+          </a:p>
+          <a:p>
+            <a:pPr lvl="1"/>
+            <a:r>
+              <a:rPr/>
+              <a:t>Explain:</a:t>
+            </a:r>
+            <a:r>
+              <a:rPr/>
+              <a:t> </a:t>
+            </a:r>
+            <a:r>
+              <a:rPr/>
+              <a:t>we’re</a:t>
+            </a:r>
+            <a:r>
+              <a:rPr/>
+              <a:t> </a:t>
+            </a:r>
+            <a:r>
+              <a:rPr/>
+              <a:t>going</a:t>
+            </a:r>
+            <a:r>
+              <a:rPr/>
+              <a:t> </a:t>
+            </a:r>
+            <a:r>
+              <a:rPr/>
+              <a:t>to</a:t>
+            </a:r>
+            <a:r>
+              <a:rPr/>
+              <a:t> </a:t>
+            </a:r>
+            <a:r>
+              <a:rPr/>
+              <a:t>do</a:t>
+            </a:r>
+            <a:r>
+              <a:rPr/>
+              <a:t> </a:t>
+            </a:r>
+            <a:r>
+              <a:rPr/>
+              <a:t>a</a:t>
+            </a:r>
+            <a:r>
+              <a:rPr/>
+              <a:t> </a:t>
+            </a:r>
+            <a:r>
+              <a:rPr/>
+              <a:t>curation</a:t>
+            </a:r>
+            <a:r>
+              <a:rPr/>
+              <a:t> </a:t>
+            </a:r>
+            <a:r>
+              <a:rPr/>
+              <a:t>activity</a:t>
+            </a:r>
+            <a:r>
+              <a:rPr/>
+              <a:t> </a:t>
+            </a:r>
+            <a:r>
+              <a:rPr/>
+              <a:t>today,</a:t>
+            </a:r>
+            <a:r>
+              <a:rPr/>
+              <a:t> </a:t>
+            </a:r>
+            <a:r>
+              <a:rPr/>
+              <a:t>where</a:t>
+            </a:r>
+            <a:r>
+              <a:rPr/>
+              <a:t> </a:t>
+            </a:r>
+            <a:r>
+              <a:rPr/>
+              <a:t>we</a:t>
+            </a:r>
+            <a:r>
+              <a:rPr/>
+              <a:t> </a:t>
+            </a:r>
+            <a:r>
+              <a:rPr/>
+              <a:t>select</a:t>
+            </a:r>
+            <a:r>
+              <a:rPr/>
+              <a:t> </a:t>
+            </a:r>
+            <a:r>
+              <a:rPr/>
+              <a:t>a</a:t>
+            </a:r>
+            <a:r>
+              <a:rPr/>
+              <a:t> </a:t>
+            </a:r>
+            <a:r>
+              <a:rPr/>
+              <a:t>set</a:t>
+            </a:r>
+            <a:r>
+              <a:rPr/>
+              <a:t> </a:t>
+            </a:r>
+            <a:r>
+              <a:rPr/>
+              <a:t>of</a:t>
+            </a:r>
+            <a:r>
+              <a:rPr/>
+              <a:t> </a:t>
+            </a:r>
+            <a:r>
+              <a:rPr/>
+              <a:t>songs</a:t>
+            </a:r>
+            <a:r>
+              <a:rPr/>
+              <a:t> </a:t>
+            </a:r>
+            <a:r>
+              <a:rPr/>
+              <a:t>to</a:t>
+            </a:r>
+            <a:r>
+              <a:rPr/>
+              <a:t> </a:t>
+            </a:r>
+            <a:r>
+              <a:rPr/>
+              <a:t>create</a:t>
+            </a:r>
+            <a:r>
+              <a:rPr/>
+              <a:t> </a:t>
+            </a:r>
+            <a:r>
+              <a:rPr/>
+              <a:t>our</a:t>
+            </a:r>
+            <a:r>
+              <a:rPr/>
+              <a:t> </a:t>
+            </a:r>
+            <a:r>
+              <a:rPr/>
+              <a:t>own</a:t>
+            </a:r>
+            <a:r>
+              <a:rPr/>
+              <a:t> </a:t>
+            </a:r>
+            <a:r>
+              <a:rPr/>
+              <a:t>playlists.</a:t>
+            </a:r>
+            <a:r>
+              <a:rPr/>
+              <a:t> </a:t>
+            </a:r>
+            <a:r>
+              <a:rPr/>
+              <a:t>We’ll</a:t>
+            </a:r>
+            <a:r>
+              <a:rPr/>
+              <a:t> </a:t>
+            </a:r>
+            <a:r>
+              <a:rPr/>
+              <a:t>use</a:t>
+            </a:r>
+            <a:r>
+              <a:rPr/>
+              <a:t> </a:t>
+            </a:r>
+            <a:r>
+              <a:rPr/>
+              <a:t>HTML</a:t>
+            </a:r>
+            <a:r>
+              <a:rPr/>
+              <a:t> </a:t>
+            </a:r>
+            <a:r>
+              <a:rPr/>
+              <a:t>to</a:t>
+            </a:r>
+            <a:r>
+              <a:rPr/>
+              <a:t> </a:t>
+            </a:r>
+            <a:r>
+              <a:rPr/>
+              <a:t>add</a:t>
+            </a:r>
+            <a:r>
+              <a:rPr/>
+              <a:t> </a:t>
+            </a:r>
+            <a:r>
+              <a:rPr/>
+              <a:t>these</a:t>
+            </a:r>
+            <a:r>
+              <a:rPr/>
+              <a:t> </a:t>
+            </a:r>
+            <a:r>
+              <a:rPr/>
+              <a:t>to</a:t>
+            </a:r>
+            <a:r>
+              <a:rPr/>
+              <a:t> </a:t>
+            </a:r>
+            <a:r>
+              <a:rPr/>
+              <a:t>a</a:t>
+            </a:r>
+            <a:r>
+              <a:rPr/>
+              <a:t> </a:t>
+            </a:r>
+            <a:r>
+              <a:rPr/>
+              <a:t>page</a:t>
+            </a:r>
+            <a:r>
+              <a:rPr/>
+              <a:t> </a:t>
+            </a:r>
+            <a:r>
+              <a:rPr/>
+              <a:t>on</a:t>
+            </a:r>
+            <a:r>
+              <a:rPr/>
+              <a:t> </a:t>
+            </a:r>
+            <a:r>
+              <a:rPr/>
+              <a:t>the</a:t>
+            </a:r>
+            <a:r>
+              <a:rPr/>
+              <a:t> </a:t>
+            </a:r>
+            <a:r>
+              <a:rPr/>
+              <a:t>web</a:t>
+            </a:r>
+            <a:r>
+              <a:rPr/>
+              <a:t> </a:t>
+            </a:r>
+            <a:r>
+              <a:rPr/>
+              <a:t>(either</a:t>
+            </a:r>
+            <a:r>
+              <a:rPr/>
+              <a:t> </a:t>
+            </a:r>
+            <a:r>
+              <a:rPr/>
+              <a:t>their</a:t>
+            </a:r>
+            <a:r>
+              <a:rPr/>
+              <a:t> </a:t>
+            </a:r>
+            <a:r>
+              <a:rPr/>
+              <a:t>own</a:t>
+            </a:r>
+            <a:r>
+              <a:rPr/>
+              <a:t> </a:t>
+            </a:r>
+            <a:r>
+              <a:rPr/>
+              <a:t>homepage,</a:t>
+            </a:r>
+            <a:r>
+              <a:rPr/>
+              <a:t> </a:t>
+            </a:r>
+            <a:r>
+              <a:rPr/>
+              <a:t>or</a:t>
+            </a:r>
+            <a:r>
+              <a:rPr/>
+              <a:t> </a:t>
+            </a:r>
+            <a:r>
+              <a:rPr/>
+              <a:t>using</a:t>
+            </a:r>
+            <a:r>
+              <a:rPr/>
+              <a:t> </a:t>
+            </a:r>
+            <a:r>
+              <a:rPr/>
+              <a:t>Thimble).</a:t>
+            </a:r>
+          </a:p>
+          <a:p>
+            <a:pPr lvl="0" marL="0" indent="0">
+              <a:buNone/>
+            </a:pPr>
+          </a:p>
+          <a:p>
+            <a:pPr lvl="1"/>
+            <a:r>
+              <a:rPr/>
+              <a:t>We’ll</a:t>
+            </a:r>
+            <a:r>
+              <a:rPr/>
+              <a:t> </a:t>
+            </a:r>
+            <a:r>
+              <a:rPr/>
+              <a:t>use</a:t>
+            </a:r>
+            <a:r>
+              <a:rPr/>
+              <a:t> </a:t>
+            </a:r>
+            <a:r>
+              <a:rPr/>
+              <a:t>the</a:t>
+            </a:r>
+            <a:r>
+              <a:rPr/>
+              <a:t> </a:t>
+            </a:r>
+            <a:r>
+              <a:rPr/>
+              <a:t>music</a:t>
+            </a:r>
+            <a:r>
+              <a:rPr/>
+              <a:t> </a:t>
+            </a:r>
+            <a:r>
+              <a:rPr/>
+              <a:t>sharing</a:t>
+            </a:r>
+            <a:r>
+              <a:rPr/>
+              <a:t> </a:t>
+            </a:r>
+            <a:r>
+              <a:rPr/>
+              <a:t>site</a:t>
+            </a:r>
+            <a:r>
+              <a:rPr/>
+              <a:t> </a:t>
+            </a:r>
+            <a:r>
+              <a:rPr/>
+              <a:t>Soundcloud.</a:t>
             </a:r>
           </a:p>
         </p:txBody>
@@ -2633,7 +7024,7 @@
           <a:p>
             <a:fld id="{18BDFEC3-8487-43E8-A154-7C12CBC1FFF2}" type="slidenum">
               <a:rPr lang="en-US"/>
-              <a:t>6</a:t>
+              <a:t>5</a:t>
             </a:fld>
             <a:endParaRPr lang="en-US"/>
           </a:p>
@@ -2693,7 +7084,7 @@
             </a:pPr>
             <a:r>
               <a:rPr/>
-              <a:t>[15</a:t>
+              <a:t>[5-7</a:t>
             </a:r>
             <a:r>
               <a:rPr/>
@@ -2723,7 +7114,7 @@
           <a:p>
             <a:fld id="{18BDFEC3-8487-43E8-A154-7C12CBC1FFF2}" type="slidenum">
               <a:rPr lang="en-US"/>
-              <a:t>7</a:t>
+              <a:t>6</a:t>
             </a:fld>
             <a:endParaRPr lang="en-US"/>
           </a:p>
@@ -2783,7 +7174,7 @@
             </a:pPr>
             <a:r>
               <a:rPr/>
-              <a:t>[5-10</a:t>
+              <a:t>[20</a:t>
             </a:r>
             <a:r>
               <a:rPr/>
@@ -2792,542 +7183,6 @@
             <a:r>
               <a:rPr/>
               <a:t>mins]</a:t>
-            </a:r>
-          </a:p>
-          <a:p>
-            <a:pPr lvl="0" marL="0" indent="0">
-              <a:buNone/>
-            </a:pPr>
-          </a:p>
-          <a:p>
-            <a:pPr lvl="0" marL="0" indent="0">
-              <a:spcBef>
-                <a:spcPts val="3000"/>
-              </a:spcBef>
-              <a:buNone/>
-            </a:pPr>
-            <a:r>
-              <a:rPr b="1"/>
-              <a:t>Learning</a:t>
-            </a:r>
-            <a:r>
-              <a:rPr b="1"/>
-              <a:t> </a:t>
-            </a:r>
-            <a:r>
-              <a:rPr b="1"/>
-              <a:t>Experience</a:t>
-            </a:r>
-            <a:r>
-              <a:rPr b="1"/>
-              <a:t> </a:t>
-            </a:r>
-            <a:r>
-              <a:rPr b="1"/>
-              <a:t>Reflection</a:t>
-            </a:r>
-          </a:p>
-          <a:p>
-            <a:pPr lvl="0" marL="0" indent="0">
-              <a:buNone/>
-            </a:pPr>
-          </a:p>
-          <a:p>
-            <a:pPr lvl="0" marL="0" indent="0">
-              <a:buNone/>
-            </a:pPr>
-            <a:r>
-              <a:rPr/>
-              <a:t>[5</a:t>
-            </a:r>
-            <a:r>
-              <a:rPr/>
-              <a:t> </a:t>
-            </a:r>
-            <a:r>
-              <a:rPr/>
-              <a:t>mins]</a:t>
-            </a:r>
-          </a:p>
-          <a:p>
-            <a:pPr lvl="0" marL="0" indent="0">
-              <a:buNone/>
-            </a:pPr>
-          </a:p>
-          <a:p>
-            <a:pPr lvl="1"/>
-            <a:r>
-              <a:rPr/>
-              <a:t>What</a:t>
-            </a:r>
-            <a:r>
-              <a:rPr/>
-              <a:t> </a:t>
-            </a:r>
-            <a:r>
-              <a:rPr/>
-              <a:t>did</a:t>
-            </a:r>
-            <a:r>
-              <a:rPr/>
-              <a:t> </a:t>
-            </a:r>
-            <a:r>
-              <a:rPr/>
-              <a:t>you</a:t>
-            </a:r>
-            <a:r>
-              <a:rPr/>
-              <a:t> </a:t>
-            </a:r>
-            <a:r>
-              <a:rPr/>
-              <a:t>like</a:t>
-            </a:r>
-            <a:r>
-              <a:rPr/>
-              <a:t> </a:t>
-            </a:r>
-            <a:r>
-              <a:rPr/>
-              <a:t>about</a:t>
-            </a:r>
-            <a:r>
-              <a:rPr/>
-              <a:t> </a:t>
-            </a:r>
-            <a:r>
-              <a:rPr/>
-              <a:t>this</a:t>
-            </a:r>
-            <a:r>
-              <a:rPr/>
-              <a:t> </a:t>
-            </a:r>
-            <a:r>
-              <a:rPr/>
-              <a:t>activity?</a:t>
-            </a:r>
-          </a:p>
-          <a:p>
-            <a:pPr lvl="0" marL="0" indent="0">
-              <a:buNone/>
-            </a:pPr>
-          </a:p>
-          <a:p>
-            <a:pPr lvl="1"/>
-            <a:r>
-              <a:rPr/>
-              <a:t>If</a:t>
-            </a:r>
-            <a:r>
-              <a:rPr/>
-              <a:t> </a:t>
-            </a:r>
-            <a:r>
-              <a:rPr/>
-              <a:t>you</a:t>
-            </a:r>
-            <a:r>
-              <a:rPr/>
-              <a:t> </a:t>
-            </a:r>
-            <a:r>
-              <a:rPr/>
-              <a:t>might</a:t>
-            </a:r>
-            <a:r>
-              <a:rPr/>
-              <a:t> </a:t>
-            </a:r>
-            <a:r>
-              <a:rPr/>
-              <a:t>teach</a:t>
-            </a:r>
-            <a:r>
-              <a:rPr/>
-              <a:t> </a:t>
-            </a:r>
-            <a:r>
-              <a:rPr/>
-              <a:t>this</a:t>
-            </a:r>
-            <a:r>
-              <a:rPr/>
-              <a:t> </a:t>
-            </a:r>
-            <a:r>
-              <a:rPr/>
-              <a:t>activity</a:t>
-            </a:r>
-            <a:r>
-              <a:rPr/>
-              <a:t> </a:t>
-            </a:r>
-            <a:r>
-              <a:rPr/>
-              <a:t>to</a:t>
-            </a:r>
-            <a:r>
-              <a:rPr/>
-              <a:t> </a:t>
-            </a:r>
-            <a:r>
-              <a:rPr/>
-              <a:t>a</a:t>
-            </a:r>
-            <a:r>
-              <a:rPr/>
-              <a:t> </a:t>
-            </a:r>
-            <a:r>
-              <a:rPr/>
-              <a:t>particular</a:t>
-            </a:r>
-            <a:r>
-              <a:rPr/>
-              <a:t> </a:t>
-            </a:r>
-            <a:r>
-              <a:rPr/>
-              <a:t>audience,</a:t>
-            </a:r>
-            <a:r>
-              <a:rPr/>
-              <a:t> </a:t>
-            </a:r>
-            <a:r>
-              <a:rPr/>
-              <a:t>what</a:t>
-            </a:r>
-            <a:r>
-              <a:rPr/>
-              <a:t> </a:t>
-            </a:r>
-            <a:r>
-              <a:rPr/>
-              <a:t>might</a:t>
-            </a:r>
-            <a:r>
-              <a:rPr/>
-              <a:t> </a:t>
-            </a:r>
-            <a:r>
-              <a:rPr/>
-              <a:t>you</a:t>
-            </a:r>
-            <a:r>
-              <a:rPr/>
-              <a:t> </a:t>
-            </a:r>
-            <a:r>
-              <a:rPr/>
-              <a:t>change</a:t>
-            </a:r>
-            <a:r>
-              <a:rPr/>
-              <a:t> </a:t>
-            </a:r>
-            <a:r>
-              <a:rPr/>
-              <a:t>about</a:t>
-            </a:r>
-            <a:r>
-              <a:rPr/>
-              <a:t> </a:t>
-            </a:r>
-            <a:r>
-              <a:rPr/>
-              <a:t>the</a:t>
-            </a:r>
-            <a:r>
-              <a:rPr/>
-              <a:t> </a:t>
-            </a:r>
-            <a:r>
-              <a:rPr/>
-              <a:t>process,</a:t>
-            </a:r>
-            <a:r>
-              <a:rPr/>
-              <a:t> </a:t>
-            </a:r>
-            <a:r>
-              <a:rPr/>
-              <a:t>structure,</a:t>
-            </a:r>
-            <a:r>
-              <a:rPr/>
-              <a:t> </a:t>
-            </a:r>
-            <a:r>
-              <a:rPr/>
-              <a:t>or</a:t>
-            </a:r>
-            <a:r>
-              <a:rPr/>
-              <a:t> </a:t>
-            </a:r>
-            <a:r>
-              <a:rPr/>
-              <a:t>content</a:t>
-            </a:r>
-            <a:r>
-              <a:rPr/>
-              <a:t> </a:t>
-            </a:r>
-            <a:r>
-              <a:rPr/>
-              <a:t>to</a:t>
-            </a:r>
-            <a:r>
-              <a:rPr/>
-              <a:t> </a:t>
-            </a:r>
-            <a:r>
-              <a:rPr/>
-              <a:t>better</a:t>
-            </a:r>
-            <a:r>
-              <a:rPr/>
-              <a:t> </a:t>
-            </a:r>
-            <a:r>
-              <a:rPr/>
-              <a:t>meet</a:t>
-            </a:r>
-            <a:r>
-              <a:rPr/>
-              <a:t> </a:t>
-            </a:r>
-            <a:r>
-              <a:rPr/>
-              <a:t>the</a:t>
-            </a:r>
-            <a:r>
-              <a:rPr/>
-              <a:t> </a:t>
-            </a:r>
-            <a:r>
-              <a:rPr/>
-              <a:t>needs</a:t>
-            </a:r>
-            <a:r>
-              <a:rPr/>
-              <a:t> </a:t>
-            </a:r>
-            <a:r>
-              <a:rPr/>
-              <a:t>of</a:t>
-            </a:r>
-            <a:r>
-              <a:rPr/>
-              <a:t> </a:t>
-            </a:r>
-            <a:r>
-              <a:rPr/>
-              <a:t>that</a:t>
-            </a:r>
-            <a:r>
-              <a:rPr/>
-              <a:t> </a:t>
-            </a:r>
-            <a:r>
-              <a:rPr/>
-              <a:t>audience?</a:t>
-            </a:r>
-          </a:p>
-          <a:p>
-            <a:pPr lvl="0" marL="0" indent="0">
-              <a:buNone/>
-            </a:pPr>
-          </a:p>
-          <a:p>
-            <a:pPr lvl="0" marL="0" indent="0">
-              <a:spcBef>
-                <a:spcPts val="3000"/>
-              </a:spcBef>
-              <a:buNone/>
-            </a:pPr>
-            <a:r>
-              <a:rPr b="1"/>
-              <a:t>Feedback</a:t>
-            </a:r>
-            <a:r>
-              <a:rPr b="1"/>
-              <a:t> </a:t>
-            </a:r>
-            <a:r>
-              <a:rPr b="1"/>
-              <a:t>on</a:t>
-            </a:r>
-            <a:r>
-              <a:rPr b="1"/>
-              <a:t> </a:t>
-            </a:r>
-            <a:r>
-              <a:rPr b="1"/>
-              <a:t>Core</a:t>
-            </a:r>
-            <a:r>
-              <a:rPr b="1"/>
-              <a:t> </a:t>
-            </a:r>
-            <a:r>
-              <a:rPr b="1"/>
-              <a:t>Curriculum</a:t>
-            </a:r>
-          </a:p>
-          <a:p>
-            <a:pPr lvl="0" marL="0" indent="0">
-              <a:buNone/>
-            </a:pPr>
-          </a:p>
-          <a:p>
-            <a:pPr lvl="1"/>
-            <a:r>
-              <a:rPr/>
-              <a:t>Tell</a:t>
-            </a:r>
-            <a:r>
-              <a:rPr/>
-              <a:t> </a:t>
-            </a:r>
-            <a:r>
-              <a:rPr/>
-              <a:t>us</a:t>
-            </a:r>
-            <a:r>
-              <a:rPr/>
-              <a:t> </a:t>
-            </a:r>
-            <a:r>
-              <a:rPr/>
-              <a:t>how</a:t>
-            </a:r>
-            <a:r>
-              <a:rPr/>
-              <a:t> </a:t>
-            </a:r>
-            <a:r>
-              <a:rPr/>
-              <a:t>and</a:t>
-            </a:r>
-            <a:r>
-              <a:rPr/>
-              <a:t> </a:t>
-            </a:r>
-            <a:r>
-              <a:rPr/>
-              <a:t>where</a:t>
-            </a:r>
-            <a:r>
-              <a:rPr/>
-              <a:t> </a:t>
-            </a:r>
-            <a:r>
-              <a:rPr/>
-              <a:t>you’re</a:t>
-            </a:r>
-            <a:r>
-              <a:rPr/>
-              <a:t> </a:t>
-            </a:r>
-            <a:r>
-              <a:rPr/>
-              <a:t>using</a:t>
-            </a:r>
-            <a:r>
-              <a:rPr/>
-              <a:t> </a:t>
-            </a:r>
-            <a:r>
-              <a:rPr/>
-              <a:t>the</a:t>
-            </a:r>
-            <a:r>
-              <a:rPr/>
-              <a:t> </a:t>
-            </a:r>
-            <a:r>
-              <a:rPr/>
-              <a:t>curriculum</a:t>
-            </a:r>
-            <a:r>
-              <a:rPr/>
-              <a:t> </a:t>
-            </a:r>
-            <a:r>
-              <a:rPr/>
-              <a:t>and</a:t>
-            </a:r>
-            <a:r>
-              <a:rPr/>
-              <a:t> </a:t>
-            </a:r>
-            <a:r>
-              <a:rPr/>
-              <a:t>what</a:t>
-            </a:r>
-            <a:r>
-              <a:rPr/>
-              <a:t> </a:t>
-            </a:r>
-            <a:r>
-              <a:rPr/>
-              <a:t>you’ve</a:t>
-            </a:r>
-            <a:r>
-              <a:rPr/>
-              <a:t> </a:t>
-            </a:r>
-            <a:r>
-              <a:rPr/>
-              <a:t>learned</a:t>
-            </a:r>
-            <a:r>
-              <a:rPr/>
-              <a:t> </a:t>
-            </a:r>
-            <a:r>
-              <a:rPr/>
-              <a:t>and</a:t>
-            </a:r>
-            <a:r>
-              <a:rPr/>
-              <a:t> </a:t>
-            </a:r>
-            <a:r>
-              <a:rPr/>
-              <a:t>what</a:t>
-            </a:r>
-            <a:r>
-              <a:rPr/>
-              <a:t> </a:t>
-            </a:r>
-            <a:r>
-              <a:rPr/>
-              <a:t>you</a:t>
-            </a:r>
-            <a:r>
-              <a:rPr/>
-              <a:t> </a:t>
-            </a:r>
-            <a:r>
-              <a:rPr/>
-              <a:t>might</a:t>
-            </a:r>
-            <a:r>
-              <a:rPr/>
-              <a:t> </a:t>
-            </a:r>
-            <a:r>
-              <a:rPr/>
-              <a:t>change</a:t>
-            </a:r>
-            <a:r>
-              <a:rPr/>
-              <a:t>.</a:t>
             </a:r>
           </a:p>
         </p:txBody>
@@ -3349,7 +7204,723 @@
           <a:p>
             <a:fld id="{18BDFEC3-8487-43E8-A154-7C12CBC1FFF2}" type="slidenum">
               <a:rPr lang="en-US"/>
-              <a:t>18</a:t>
+              <a:t>7</a:t>
+            </a:fld>
+            <a:endParaRPr lang="en-US"/>
+          </a:p>
+        </p:txBody>
+      </p:sp>
+    </p:spTree>
+  </p:cSld>
+</p:notes>
+</file>
+
+<file path=ppt/notesSlides/notesSlide6.xml><?xml version="1.0" encoding="utf-8"?>
+<p:notes xmlns:a="http://schemas.openxmlformats.org/drawingml/2006/main" xmlns:r="http://schemas.openxmlformats.org/officeDocument/2006/relationships" xmlns:p="http://schemas.openxmlformats.org/presentationml/2006/main">
+  <p:cSld>
+    <p:spTree>
+      <p:nvGrpSpPr>
+        <p:cNvPr id="1" name=""/>
+        <p:cNvGrpSpPr/>
+        <p:nvPr/>
+      </p:nvGrpSpPr>
+      <p:grpSpPr>
+        <a:xfrm>
+          <a:off x="0" y="0"/>
+          <a:ext cx="0" cy="0"/>
+          <a:chOff x="0" y="0"/>
+          <a:chExt cx="0" cy="0"/>
+        </a:xfrm>
+      </p:grpSpPr>
+      <p:sp>
+        <p:nvSpPr>
+          <p:cNvPr id="2" name="Slide Image Placeholder 1"/>
+          <p:cNvSpPr>
+            <a:spLocks noGrp="1" noRot="1" noChangeAspect="1"/>
+          </p:cNvSpPr>
+          <p:nvPr>
+            <p:ph type="sldImg"/>
+          </p:nvPr>
+        </p:nvSpPr>
+        <p:spPr/>
+      </p:sp>
+      <p:sp>
+        <p:nvSpPr>
+          <p:cNvPr id="3" name="Notes Placeholder 2"/>
+          <p:cNvSpPr>
+            <a:spLocks noGrp="1"/>
+          </p:cNvSpPr>
+          <p:nvPr>
+            <p:ph type="body" idx="1"/>
+          </p:nvPr>
+        </p:nvSpPr>
+        <p:spPr/>
+        <p:txBody>
+          <a:bodyPr/>
+          <a:lstStyle/>
+          <a:p>
+            <a:pPr lvl="0" marL="0" indent="0">
+              <a:buNone/>
+            </a:pPr>
+            <a:r>
+              <a:rPr/>
+              <a:t>[15</a:t>
+            </a:r>
+            <a:r>
+              <a:rPr/>
+              <a:t> </a:t>
+            </a:r>
+            <a:r>
+              <a:rPr/>
+              <a:t>mins]</a:t>
+            </a:r>
+          </a:p>
+        </p:txBody>
+      </p:sp>
+      <p:sp>
+        <p:nvSpPr>
+          <p:cNvPr id="4" name="Slide Number Placeholder 3"/>
+          <p:cNvSpPr>
+            <a:spLocks noGrp="1"/>
+          </p:cNvSpPr>
+          <p:nvPr>
+            <p:ph type="sldNum" sz="quarter" idx="10"/>
+          </p:nvPr>
+        </p:nvSpPr>
+        <p:spPr/>
+        <p:txBody>
+          <a:bodyPr/>
+          <a:lstStyle/>
+          <a:p>
+            <a:fld id="{18BDFEC3-8487-43E8-A154-7C12CBC1FFF2}" type="slidenum">
+              <a:rPr lang="en-US"/>
+              <a:t>8</a:t>
+            </a:fld>
+            <a:endParaRPr lang="en-US"/>
+          </a:p>
+        </p:txBody>
+      </p:sp>
+    </p:spTree>
+  </p:cSld>
+</p:notes>
+</file>
+
+<file path=ppt/notesSlides/notesSlide7.xml><?xml version="1.0" encoding="utf-8"?>
+<p:notes xmlns:a="http://schemas.openxmlformats.org/drawingml/2006/main" xmlns:r="http://schemas.openxmlformats.org/officeDocument/2006/relationships" xmlns:p="http://schemas.openxmlformats.org/presentationml/2006/main">
+  <p:cSld>
+    <p:spTree>
+      <p:nvGrpSpPr>
+        <p:cNvPr id="1" name=""/>
+        <p:cNvGrpSpPr/>
+        <p:nvPr/>
+      </p:nvGrpSpPr>
+      <p:grpSpPr>
+        <a:xfrm>
+          <a:off x="0" y="0"/>
+          <a:ext cx="0" cy="0"/>
+          <a:chOff x="0" y="0"/>
+          <a:chExt cx="0" cy="0"/>
+        </a:xfrm>
+      </p:grpSpPr>
+      <p:sp>
+        <p:nvSpPr>
+          <p:cNvPr id="2" name="Slide Image Placeholder 1"/>
+          <p:cNvSpPr>
+            <a:spLocks noGrp="1" noRot="1" noChangeAspect="1"/>
+          </p:cNvSpPr>
+          <p:nvPr>
+            <p:ph type="sldImg"/>
+          </p:nvPr>
+        </p:nvSpPr>
+        <p:spPr/>
+      </p:sp>
+      <p:sp>
+        <p:nvSpPr>
+          <p:cNvPr id="3" name="Notes Placeholder 2"/>
+          <p:cNvSpPr>
+            <a:spLocks noGrp="1"/>
+          </p:cNvSpPr>
+          <p:nvPr>
+            <p:ph type="body" idx="1"/>
+          </p:nvPr>
+        </p:nvSpPr>
+        <p:spPr/>
+        <p:txBody>
+          <a:bodyPr/>
+          <a:lstStyle/>
+          <a:p>
+            <a:pPr lvl="0" marL="0" indent="0">
+              <a:buNone/>
+            </a:pPr>
+            <a:r>
+              <a:rPr/>
+              <a:t>[5-10</a:t>
+            </a:r>
+            <a:r>
+              <a:rPr/>
+              <a:t> </a:t>
+            </a:r>
+            <a:r>
+              <a:rPr/>
+              <a:t>mins]</a:t>
+            </a:r>
+          </a:p>
+          <a:p>
+            <a:pPr lvl="0" marL="0" indent="0">
+              <a:buNone/>
+            </a:pPr>
+          </a:p>
+          <a:p>
+            <a:pPr lvl="0" marL="0" indent="0">
+              <a:spcBef>
+                <a:spcPts val="3000"/>
+              </a:spcBef>
+              <a:buNone/>
+            </a:pPr>
+            <a:r>
+              <a:rPr b="1"/>
+              <a:t>Learning</a:t>
+            </a:r>
+            <a:r>
+              <a:rPr b="1"/>
+              <a:t> </a:t>
+            </a:r>
+            <a:r>
+              <a:rPr b="1"/>
+              <a:t>Experience</a:t>
+            </a:r>
+            <a:r>
+              <a:rPr b="1"/>
+              <a:t> </a:t>
+            </a:r>
+            <a:r>
+              <a:rPr b="1"/>
+              <a:t>Reflection</a:t>
+            </a:r>
+          </a:p>
+          <a:p>
+            <a:pPr lvl="0" marL="0" indent="0">
+              <a:buNone/>
+            </a:pPr>
+          </a:p>
+          <a:p>
+            <a:pPr lvl="0" marL="0" indent="0">
+              <a:buNone/>
+            </a:pPr>
+            <a:r>
+              <a:rPr/>
+              <a:t>[5</a:t>
+            </a:r>
+            <a:r>
+              <a:rPr/>
+              <a:t> </a:t>
+            </a:r>
+            <a:r>
+              <a:rPr/>
+              <a:t>mins]</a:t>
+            </a:r>
+          </a:p>
+          <a:p>
+            <a:pPr lvl="0" marL="0" indent="0">
+              <a:buNone/>
+            </a:pPr>
+          </a:p>
+          <a:p>
+            <a:pPr lvl="1"/>
+            <a:r>
+              <a:rPr/>
+              <a:t>What</a:t>
+            </a:r>
+            <a:r>
+              <a:rPr/>
+              <a:t> </a:t>
+            </a:r>
+            <a:r>
+              <a:rPr/>
+              <a:t>did</a:t>
+            </a:r>
+            <a:r>
+              <a:rPr/>
+              <a:t> </a:t>
+            </a:r>
+            <a:r>
+              <a:rPr/>
+              <a:t>you</a:t>
+            </a:r>
+            <a:r>
+              <a:rPr/>
+              <a:t> </a:t>
+            </a:r>
+            <a:r>
+              <a:rPr/>
+              <a:t>like</a:t>
+            </a:r>
+            <a:r>
+              <a:rPr/>
+              <a:t> </a:t>
+            </a:r>
+            <a:r>
+              <a:rPr/>
+              <a:t>about</a:t>
+            </a:r>
+            <a:r>
+              <a:rPr/>
+              <a:t> </a:t>
+            </a:r>
+            <a:r>
+              <a:rPr/>
+              <a:t>this</a:t>
+            </a:r>
+            <a:r>
+              <a:rPr/>
+              <a:t> </a:t>
+            </a:r>
+            <a:r>
+              <a:rPr/>
+              <a:t>activity?</a:t>
+            </a:r>
+          </a:p>
+          <a:p>
+            <a:pPr lvl="0" marL="0" indent="0">
+              <a:buNone/>
+            </a:pPr>
+          </a:p>
+          <a:p>
+            <a:pPr lvl="1"/>
+            <a:r>
+              <a:rPr/>
+              <a:t>If</a:t>
+            </a:r>
+            <a:r>
+              <a:rPr/>
+              <a:t> </a:t>
+            </a:r>
+            <a:r>
+              <a:rPr/>
+              <a:t>you</a:t>
+            </a:r>
+            <a:r>
+              <a:rPr/>
+              <a:t> </a:t>
+            </a:r>
+            <a:r>
+              <a:rPr/>
+              <a:t>might</a:t>
+            </a:r>
+            <a:r>
+              <a:rPr/>
+              <a:t> </a:t>
+            </a:r>
+            <a:r>
+              <a:rPr/>
+              <a:t>teach</a:t>
+            </a:r>
+            <a:r>
+              <a:rPr/>
+              <a:t> </a:t>
+            </a:r>
+            <a:r>
+              <a:rPr/>
+              <a:t>this</a:t>
+            </a:r>
+            <a:r>
+              <a:rPr/>
+              <a:t> </a:t>
+            </a:r>
+            <a:r>
+              <a:rPr/>
+              <a:t>activity</a:t>
+            </a:r>
+            <a:r>
+              <a:rPr/>
+              <a:t> </a:t>
+            </a:r>
+            <a:r>
+              <a:rPr/>
+              <a:t>to</a:t>
+            </a:r>
+            <a:r>
+              <a:rPr/>
+              <a:t> </a:t>
+            </a:r>
+            <a:r>
+              <a:rPr/>
+              <a:t>a</a:t>
+            </a:r>
+            <a:r>
+              <a:rPr/>
+              <a:t> </a:t>
+            </a:r>
+            <a:r>
+              <a:rPr/>
+              <a:t>particular</a:t>
+            </a:r>
+            <a:r>
+              <a:rPr/>
+              <a:t> </a:t>
+            </a:r>
+            <a:r>
+              <a:rPr/>
+              <a:t>audience,</a:t>
+            </a:r>
+            <a:r>
+              <a:rPr/>
+              <a:t> </a:t>
+            </a:r>
+            <a:r>
+              <a:rPr/>
+              <a:t>what</a:t>
+            </a:r>
+            <a:r>
+              <a:rPr/>
+              <a:t> </a:t>
+            </a:r>
+            <a:r>
+              <a:rPr/>
+              <a:t>might</a:t>
+            </a:r>
+            <a:r>
+              <a:rPr/>
+              <a:t> </a:t>
+            </a:r>
+            <a:r>
+              <a:rPr/>
+              <a:t>you</a:t>
+            </a:r>
+            <a:r>
+              <a:rPr/>
+              <a:t> </a:t>
+            </a:r>
+            <a:r>
+              <a:rPr/>
+              <a:t>change</a:t>
+            </a:r>
+            <a:r>
+              <a:rPr/>
+              <a:t> </a:t>
+            </a:r>
+            <a:r>
+              <a:rPr/>
+              <a:t>about</a:t>
+            </a:r>
+            <a:r>
+              <a:rPr/>
+              <a:t> </a:t>
+            </a:r>
+            <a:r>
+              <a:rPr/>
+              <a:t>the</a:t>
+            </a:r>
+            <a:r>
+              <a:rPr/>
+              <a:t> </a:t>
+            </a:r>
+            <a:r>
+              <a:rPr/>
+              <a:t>process,</a:t>
+            </a:r>
+            <a:r>
+              <a:rPr/>
+              <a:t> </a:t>
+            </a:r>
+            <a:r>
+              <a:rPr/>
+              <a:t>structure,</a:t>
+            </a:r>
+            <a:r>
+              <a:rPr/>
+              <a:t> </a:t>
+            </a:r>
+            <a:r>
+              <a:rPr/>
+              <a:t>or</a:t>
+            </a:r>
+            <a:r>
+              <a:rPr/>
+              <a:t> </a:t>
+            </a:r>
+            <a:r>
+              <a:rPr/>
+              <a:t>content</a:t>
+            </a:r>
+            <a:r>
+              <a:rPr/>
+              <a:t> </a:t>
+            </a:r>
+            <a:r>
+              <a:rPr/>
+              <a:t>to</a:t>
+            </a:r>
+            <a:r>
+              <a:rPr/>
+              <a:t> </a:t>
+            </a:r>
+            <a:r>
+              <a:rPr/>
+              <a:t>better</a:t>
+            </a:r>
+            <a:r>
+              <a:rPr/>
+              <a:t> </a:t>
+            </a:r>
+            <a:r>
+              <a:rPr/>
+              <a:t>meet</a:t>
+            </a:r>
+            <a:r>
+              <a:rPr/>
+              <a:t> </a:t>
+            </a:r>
+            <a:r>
+              <a:rPr/>
+              <a:t>the</a:t>
+            </a:r>
+            <a:r>
+              <a:rPr/>
+              <a:t> </a:t>
+            </a:r>
+            <a:r>
+              <a:rPr/>
+              <a:t>needs</a:t>
+            </a:r>
+            <a:r>
+              <a:rPr/>
+              <a:t> </a:t>
+            </a:r>
+            <a:r>
+              <a:rPr/>
+              <a:t>of</a:t>
+            </a:r>
+            <a:r>
+              <a:rPr/>
+              <a:t> </a:t>
+            </a:r>
+            <a:r>
+              <a:rPr/>
+              <a:t>that</a:t>
+            </a:r>
+            <a:r>
+              <a:rPr/>
+              <a:t> </a:t>
+            </a:r>
+            <a:r>
+              <a:rPr/>
+              <a:t>audience?</a:t>
+            </a:r>
+          </a:p>
+          <a:p>
+            <a:pPr lvl="0" marL="0" indent="0">
+              <a:buNone/>
+            </a:pPr>
+          </a:p>
+          <a:p>
+            <a:pPr lvl="0" marL="0" indent="0">
+              <a:spcBef>
+                <a:spcPts val="3000"/>
+              </a:spcBef>
+              <a:buNone/>
+            </a:pPr>
+            <a:r>
+              <a:rPr b="1"/>
+              <a:t>Feedback</a:t>
+            </a:r>
+            <a:r>
+              <a:rPr b="1"/>
+              <a:t> </a:t>
+            </a:r>
+            <a:r>
+              <a:rPr b="1"/>
+              <a:t>on</a:t>
+            </a:r>
+            <a:r>
+              <a:rPr b="1"/>
+              <a:t> </a:t>
+            </a:r>
+            <a:r>
+              <a:rPr b="1"/>
+              <a:t>Core</a:t>
+            </a:r>
+            <a:r>
+              <a:rPr b="1"/>
+              <a:t> </a:t>
+            </a:r>
+            <a:r>
+              <a:rPr b="1"/>
+              <a:t>Curriculum</a:t>
+            </a:r>
+          </a:p>
+          <a:p>
+            <a:pPr lvl="0" marL="0" indent="0">
+              <a:buNone/>
+            </a:pPr>
+          </a:p>
+          <a:p>
+            <a:pPr lvl="1"/>
+            <a:r>
+              <a:rPr/>
+              <a:t>Tell</a:t>
+            </a:r>
+            <a:r>
+              <a:rPr/>
+              <a:t> </a:t>
+            </a:r>
+            <a:r>
+              <a:rPr/>
+              <a:t>us</a:t>
+            </a:r>
+            <a:r>
+              <a:rPr/>
+              <a:t> </a:t>
+            </a:r>
+            <a:r>
+              <a:rPr/>
+              <a:t>how</a:t>
+            </a:r>
+            <a:r>
+              <a:rPr/>
+              <a:t> </a:t>
+            </a:r>
+            <a:r>
+              <a:rPr/>
+              <a:t>and</a:t>
+            </a:r>
+            <a:r>
+              <a:rPr/>
+              <a:t> </a:t>
+            </a:r>
+            <a:r>
+              <a:rPr/>
+              <a:t>where</a:t>
+            </a:r>
+            <a:r>
+              <a:rPr/>
+              <a:t> </a:t>
+            </a:r>
+            <a:r>
+              <a:rPr/>
+              <a:t>you’re</a:t>
+            </a:r>
+            <a:r>
+              <a:rPr/>
+              <a:t> </a:t>
+            </a:r>
+            <a:r>
+              <a:rPr/>
+              <a:t>using</a:t>
+            </a:r>
+            <a:r>
+              <a:rPr/>
+              <a:t> </a:t>
+            </a:r>
+            <a:r>
+              <a:rPr/>
+              <a:t>the</a:t>
+            </a:r>
+            <a:r>
+              <a:rPr/>
+              <a:t> </a:t>
+            </a:r>
+            <a:r>
+              <a:rPr/>
+              <a:t>curriculum</a:t>
+            </a:r>
+            <a:r>
+              <a:rPr/>
+              <a:t> </a:t>
+            </a:r>
+            <a:r>
+              <a:rPr/>
+              <a:t>and</a:t>
+            </a:r>
+            <a:r>
+              <a:rPr/>
+              <a:t> </a:t>
+            </a:r>
+            <a:r>
+              <a:rPr/>
+              <a:t>what</a:t>
+            </a:r>
+            <a:r>
+              <a:rPr/>
+              <a:t> </a:t>
+            </a:r>
+            <a:r>
+              <a:rPr/>
+              <a:t>you’ve</a:t>
+            </a:r>
+            <a:r>
+              <a:rPr/>
+              <a:t> </a:t>
+            </a:r>
+            <a:r>
+              <a:rPr/>
+              <a:t>learned</a:t>
+            </a:r>
+            <a:r>
+              <a:rPr/>
+              <a:t> </a:t>
+            </a:r>
+            <a:r>
+              <a:rPr/>
+              <a:t>and</a:t>
+            </a:r>
+            <a:r>
+              <a:rPr/>
+              <a:t> </a:t>
+            </a:r>
+            <a:r>
+              <a:rPr/>
+              <a:t>what</a:t>
+            </a:r>
+            <a:r>
+              <a:rPr/>
+              <a:t> </a:t>
+            </a:r>
+            <a:r>
+              <a:rPr/>
+              <a:t>you</a:t>
+            </a:r>
+            <a:r>
+              <a:rPr/>
+              <a:t> </a:t>
+            </a:r>
+            <a:r>
+              <a:rPr/>
+              <a:t>might</a:t>
+            </a:r>
+            <a:r>
+              <a:rPr/>
+              <a:t> </a:t>
+            </a:r>
+            <a:r>
+              <a:rPr/>
+              <a:t>change</a:t>
+            </a:r>
+            <a:r>
+              <a:rPr/>
+              <a:t>.</a:t>
+            </a:r>
+          </a:p>
+        </p:txBody>
+      </p:sp>
+      <p:sp>
+        <p:nvSpPr>
+          <p:cNvPr id="4" name="Slide Number Placeholder 3"/>
+          <p:cNvSpPr>
+            <a:spLocks noGrp="1"/>
+          </p:cNvSpPr>
+          <p:nvPr>
+            <p:ph type="sldNum" sz="quarter" idx="10"/>
+          </p:nvPr>
+        </p:nvSpPr>
+        <p:spPr/>
+        <p:txBody>
+          <a:bodyPr/>
+          <a:lstStyle/>
+          <a:p>
+            <a:fld id="{18BDFEC3-8487-43E8-A154-7C12CBC1FFF2}" type="slidenum">
+              <a:rPr lang="en-US"/>
+              <a:t>19</a:t>
             </a:fld>
             <a:endParaRPr lang="en-US"/>
           </a:p>
@@ -6436,6 +11007,93 @@
           <a:chExt cx="0" cy="0"/>
         </a:xfrm>
       </p:grpSpPr>
+      <p:sp>
+        <p:nvSpPr>
+          <p:cNvPr id="3" name="Content Placeholder 2"/>
+          <p:cNvSpPr>
+            <a:spLocks noGrp="1"/>
+          </p:cNvSpPr>
+          <p:nvPr>
+            <p:ph idx="1"/>
+          </p:nvPr>
+        </p:nvSpPr>
+        <p:spPr/>
+        <p:txBody>
+          <a:bodyPr/>
+          <a:lstStyle/>
+          <a:p>
+            <a:pPr lvl="1"/>
+            <a:r>
+              <a:rPr/>
+              <a:t>Explain that, as discussed in the intro, the web is designed for sharing and interconnection:.</a:t>
+            </a:r>
+          </a:p>
+          <a:p>
+            <a:pPr lvl="2"/>
+            <a:r>
+              <a:rPr/>
+              <a:t>You can add a link to your webpage that directs visitors to a song on Soundcloud. When a visitor clicks on that link they leave your web page and go to the song on Soundcloud. This is typical linking behavior.</a:t>
+            </a:r>
+          </a:p>
+          <a:p>
+            <a:pPr lvl="1"/>
+            <a:r>
+              <a:rPr/>
+              <a:t>Sites like YouTube and Soundcloud also let you “embed” media on your own webpage so you can play a song or video without leaving your page.</a:t>
+            </a:r>
+          </a:p>
+          <a:p>
+            <a:pPr lvl="1"/>
+            <a:r>
+              <a:rPr/>
+              <a:t>When you embed media, you create a small window or frame in your own webpage that loads the song or video right directly on your page.</a:t>
+            </a:r>
+          </a:p>
+          <a:p>
+            <a:pPr lvl="1"/>
+            <a:r>
+              <a:rPr/>
+              <a:t>An “embed” is a piece of media you call or pull into your webpage using HTML tags. The HTML tag called “iframe” creates the embed in your webpage.</a:t>
+            </a:r>
+          </a:p>
+          <a:p>
+            <a:pPr lvl="1"/>
+            <a:r>
+              <a:rPr/>
+              <a:t>Demo the embed process for your learners. If possible, invite them to follow along on their own computers using one of their chose songs. To embed a file from Soundcloud:</a:t>
+            </a:r>
+          </a:p>
+          <a:p>
+            <a:pPr lvl="2"/>
+            <a:r>
+              <a:rPr/>
+              <a:t>First, you click on the “Share” button underneath the song’s “waveform” player.</a:t>
+            </a:r>
+          </a:p>
+        </p:txBody>
+      </p:sp>
+    </p:spTree>
+  </p:cSld>
+</p:sld>
+</file>
+
+<file path=ppt/slides/slide11.xml><?xml version="1.0" encoding="utf-8"?>
+<p:sld xmlns:a="http://schemas.openxmlformats.org/drawingml/2006/main" xmlns:r="http://schemas.openxmlformats.org/officeDocument/2006/relationships" xmlns:p="http://schemas.openxmlformats.org/presentationml/2006/main">
+  <p:cSld>
+    <p:spTree>
+      <p:nvGrpSpPr>
+        <p:cNvPr id="1" name=""/>
+        <p:cNvGrpSpPr/>
+        <p:nvPr/>
+      </p:nvGrpSpPr>
+      <p:grpSpPr>
+        <a:xfrm>
+          <a:off x="0" y="0"/>
+          <a:ext cx="0" cy="0"/>
+          <a:chOff x="0" y="0"/>
+          <a:chExt cx="0" cy="0"/>
+        </a:xfrm>
+      </p:grpSpPr>
       <p:pic>
         <p:nvPicPr>
           <p:cNvPr descr="../images/waveform.png" id="0" name="Picture 1"/>
@@ -6517,7 +11175,7 @@
 </p:sld>
 </file>
 
-<file path=ppt/slides/slide11.xml><?xml version="1.0" encoding="utf-8"?>
+<file path=ppt/slides/slide12.xml><?xml version="1.0" encoding="utf-8"?>
 <p:sld xmlns:a="http://schemas.openxmlformats.org/drawingml/2006/main" xmlns:r="http://schemas.openxmlformats.org/officeDocument/2006/relationships" xmlns:p="http://schemas.openxmlformats.org/presentationml/2006/main">
   <p:cSld>
     <p:spTree>
@@ -6566,7 +11224,7 @@
 </p:sld>
 </file>
 
-<file path=ppt/slides/slide12.xml><?xml version="1.0" encoding="utf-8"?>
+<file path=ppt/slides/slide13.xml><?xml version="1.0" encoding="utf-8"?>
 <p:sld xmlns:a="http://schemas.openxmlformats.org/drawingml/2006/main" xmlns:r="http://schemas.openxmlformats.org/officeDocument/2006/relationships" xmlns:p="http://schemas.openxmlformats.org/presentationml/2006/main">
   <p:cSld>
     <p:spTree>
@@ -6664,7 +11322,7 @@
 </p:sld>
 </file>
 
-<file path=ppt/slides/slide13.xml><?xml version="1.0" encoding="utf-8"?>
+<file path=ppt/slides/slide14.xml><?xml version="1.0" encoding="utf-8"?>
 <p:sld xmlns:a="http://schemas.openxmlformats.org/drawingml/2006/main" xmlns:r="http://schemas.openxmlformats.org/officeDocument/2006/relationships" xmlns:p="http://schemas.openxmlformats.org/presentationml/2006/main">
   <p:cSld>
     <p:spTree>
@@ -6713,7 +11371,7 @@
 </p:sld>
 </file>
 
-<file path=ppt/slides/slide14.xml><?xml version="1.0" encoding="utf-8"?>
+<file path=ppt/slides/slide15.xml><?xml version="1.0" encoding="utf-8"?>
 <p:sld xmlns:a="http://schemas.openxmlformats.org/drawingml/2006/main" xmlns:r="http://schemas.openxmlformats.org/officeDocument/2006/relationships" xmlns:p="http://schemas.openxmlformats.org/presentationml/2006/main">
   <p:cSld>
     <p:spTree>
@@ -6811,7 +11469,7 @@
 </p:sld>
 </file>
 
-<file path=ppt/slides/slide15.xml><?xml version="1.0" encoding="utf-8"?>
+<file path=ppt/slides/slide16.xml><?xml version="1.0" encoding="utf-8"?>
 <p:sld xmlns:a="http://schemas.openxmlformats.org/drawingml/2006/main" xmlns:r="http://schemas.openxmlformats.org/officeDocument/2006/relationships" xmlns:p="http://schemas.openxmlformats.org/presentationml/2006/main">
   <p:cSld>
     <p:spTree>
@@ -6870,7 +11528,7 @@
 </p:sld>
 </file>
 
-<file path=ppt/slides/slide16.xml><?xml version="1.0" encoding="utf-8"?>
+<file path=ppt/slides/slide17.xml><?xml version="1.0" encoding="utf-8"?>
 <p:sld xmlns:a="http://schemas.openxmlformats.org/drawingml/2006/main" xmlns:r="http://schemas.openxmlformats.org/officeDocument/2006/relationships" xmlns:p="http://schemas.openxmlformats.org/presentationml/2006/main">
   <p:cSld>
     <p:spTree>
@@ -6960,7 +11618,7 @@
 </p:sld>
 </file>
 
-<file path=ppt/slides/slide17.xml><?xml version="1.0" encoding="utf-8"?>
+<file path=ppt/slides/slide18.xml><?xml version="1.0" encoding="utf-8"?>
 <p:sld xmlns:a="http://schemas.openxmlformats.org/drawingml/2006/main" xmlns:r="http://schemas.openxmlformats.org/officeDocument/2006/relationships" xmlns:p="http://schemas.openxmlformats.org/presentationml/2006/main">
   <p:cSld>
     <p:spTree>
@@ -7005,7 +11663,7 @@
 </p:sld>
 </file>
 
-<file path=ppt/slides/slide18.xml><?xml version="1.0" encoding="utf-8"?>
+<file path=ppt/slides/slide19.xml><?xml version="1.0" encoding="utf-8"?>
 <p:sld xmlns:a="http://schemas.openxmlformats.org/drawingml/2006/main" xmlns:r="http://schemas.openxmlformats.org/officeDocument/2006/relationships" xmlns:p="http://schemas.openxmlformats.org/presentationml/2006/main">
   <p:cSld>
     <p:spTree>
@@ -7200,7 +11858,93 @@
             </a:pPr>
             <a:r>
               <a:rPr/>
-              <a:t>lists</a:t>
+              <a:t>Project</a:t>
+            </a:r>
+            <a:r>
+              <a:rPr/>
+              <a:t> </a:t>
+            </a:r>
+            <a:r>
+              <a:rPr/>
+              <a:t>Playlist</a:t>
+            </a:r>
+          </a:p>
+        </p:txBody>
+      </p:sp>
+    </p:spTree>
+  </p:cSld>
+</p:sld>
+</file>
+
+<file path=ppt/slides/slide20.xml><?xml version="1.0" encoding="utf-8"?>
+<p:sld xmlns:a="http://schemas.openxmlformats.org/drawingml/2006/main" xmlns:r="http://schemas.openxmlformats.org/officeDocument/2006/relationships" xmlns:p="http://schemas.openxmlformats.org/presentationml/2006/main">
+  <p:cSld>
+    <p:spTree>
+      <p:nvGrpSpPr>
+        <p:cNvPr id="1" name=""/>
+        <p:cNvGrpSpPr/>
+        <p:nvPr/>
+      </p:nvGrpSpPr>
+      <p:grpSpPr>
+        <a:xfrm>
+          <a:off x="0" y="0"/>
+          <a:ext cx="0" cy="0"/>
+          <a:chOff x="0" y="0"/>
+          <a:chExt cx="0" cy="0"/>
+        </a:xfrm>
+      </p:grpSpPr>
+      <p:sp>
+        <p:nvSpPr>
+          <p:cNvPr id="2" name="Title 1"/>
+          <p:cNvSpPr>
+            <a:spLocks noGrp="1"/>
+          </p:cNvSpPr>
+          <p:nvPr>
+            <p:ph type="title"/>
+          </p:nvPr>
+        </p:nvSpPr>
+        <p:spPr/>
+        <p:txBody>
+          <a:bodyPr/>
+          <a:lstStyle/>
+          <a:p>
+            <a:pPr lvl="0" marL="0" indent="0">
+              <a:buNone/>
+            </a:pPr>
+            <a:r>
+              <a:rPr/>
+              <a:t>mozilla</a:t>
+            </a:r>
+          </a:p>
+        </p:txBody>
+      </p:sp>
+      <p:sp>
+        <p:nvSpPr>
+          <p:cNvPr id="3" name="Content Placeholder 2"/>
+          <p:cNvSpPr>
+            <a:spLocks noGrp="1"/>
+          </p:cNvSpPr>
+          <p:nvPr>
+            <p:ph idx="1"/>
+          </p:nvPr>
+        </p:nvSpPr>
+        <p:spPr/>
+        <p:txBody>
+          <a:bodyPr/>
+          <a:lstStyle/>
+          <a:p>
+            <a:pPr lvl="0" marL="0" indent="0">
+              <a:buNone/>
+            </a:pPr>
+            <a:r>
+              <a:rPr/>
+              <a:t>Mozilla is a global non-profit dedicated to putting you in control of your online experience and shaping the future of the web for the public good. Visit us at </a:t>
+            </a:r>
+            <a:r>
+              <a:rPr>
+                <a:hlinkClick r:id="rId2"/>
+              </a:rPr>
+              <a:t>mozilla.org</a:t>
             </a:r>
           </a:p>
         </p:txBody>
@@ -7392,210 +12136,49 @@
             </a:pPr>
             <a:r>
               <a:rPr b="1"/>
-              <a:t>Introduction/Discussion [10 mins]</a:t>
+              <a:t>Introduction/Discussion</a:t>
             </a:r>
           </a:p>
           <a:p>
             <a:pPr lvl="1"/>
             <a:r>
               <a:rPr/>
-              <a:t>Start with offline activity and discussion</a:t>
+              <a:t>What’s the last thing you found on the web that you were really excited about?</a:t>
             </a:r>
           </a:p>
           <a:p>
             <a:pPr lvl="1"/>
             <a:r>
               <a:rPr/>
-              <a:t>Ask learners: What’s the last thing you found on the web that you were really excited about? What made you laugh, or think differently, what inspired you?</a:t>
+              <a:t>What made you laugh, or think differently, what inspired you?</a:t>
             </a:r>
           </a:p>
           <a:p>
             <a:pPr lvl="1"/>
             <a:r>
               <a:rPr/>
-              <a:t>Where did you find these things? What sites did you use?</a:t>
+              <a:t>Where did you find these things?</a:t>
             </a:r>
           </a:p>
           <a:p>
             <a:pPr lvl="1"/>
             <a:r>
               <a:rPr/>
-              <a:t>What’s the last thing you shared with others online? Where did you find it? What’s the last thing you shared offline? (i.e. cut out an article, shared a comic strip or recipe) Where did you find it?</a:t>
+              <a:t>What sites did you use?</a:t>
             </a:r>
           </a:p>
           <a:p>
             <a:pPr lvl="1"/>
             <a:r>
               <a:rPr/>
-              <a:t>How did you share it - what did you do in order to share it?</a:t>
+              <a:t>What’s the last thing you shared with others online? Where did you find it?</a:t>
             </a:r>
           </a:p>
           <a:p>
             <a:pPr lvl="1"/>
             <a:r>
               <a:rPr/>
-              <a:t>When you shared this thing, how did you decide to share it? What did you consider when making that decision?</a:t>
-            </a:r>
-          </a:p>
-          <a:p>
-            <a:pPr lvl="1"/>
-            <a:r>
-              <a:rPr/>
-              <a:t>Explain that, as discussed, the web is an amazing tool and space space for information sharing and discovery!</a:t>
-            </a:r>
-          </a:p>
-          <a:p>
-            <a:pPr lvl="1"/>
-            <a:r>
-              <a:rPr/>
-              <a:t>The way web pages can link to other pages allows content like songs, photos, videos or text uploaded and hosted on the web in one pace to re-appear over and over in lots of other places.</a:t>
-            </a:r>
-          </a:p>
-          <a:p>
-            <a:pPr lvl="1"/>
-            <a:r>
-              <a:rPr/>
-              <a:t>You can add a link on a new page that points to the original content, or you can pull the content directly into the page using some special tags called “embed” tags.</a:t>
-            </a:r>
-          </a:p>
-          <a:p>
-            <a:pPr lvl="1"/>
-            <a:r>
-              <a:rPr/>
-              <a:t>Photos, videos, songs, and text can also be saved and downloaded on client computers by any user. A client computer is an individual computer that accesses the information and programs stored on a server.</a:t>
-            </a:r>
-          </a:p>
-          <a:p>
-            <a:pPr lvl="1"/>
-            <a:r>
-              <a:rPr/>
-              <a:t>Lots of popular sites or web apps have a curation element to them:</a:t>
-            </a:r>
-          </a:p>
-          <a:p>
-            <a:pPr lvl="2"/>
-            <a:r>
-              <a:rPr/>
-              <a:t>Sites like Facebook, YouTube, Instagram,Twitter, and especially Pinterest allow users to curate their own content.</a:t>
-            </a:r>
-          </a:p>
-          <a:p>
-            <a:pPr lvl="2"/>
-            <a:r>
-              <a:rPr/>
-              <a:t>Sites like BoingBoing, Laughing Squid, Brain Pickings have full-time editors who curate content from other parts of the web. Lots of blogs work this way, too.</a:t>
-            </a:r>
-          </a:p>
-          <a:p>
-            <a:pPr lvl="1"/>
-            <a:r>
-              <a:rPr/>
-              <a:t>Sometimes editors gather content and add in-depth commentary or review that reveals a new idea or perspective (on a blog like Brain Pickings for example) sometimes they just share something without any comment or very brief comments (on sites like Pinterest)</a:t>
-            </a:r>
-          </a:p>
-          <a:p>
-            <a:pPr lvl="1"/>
-            <a:r>
-              <a:rPr/>
-              <a:t>Whether you know it or not, if you use sites like Instagram, Twitter, or facebook, you are curating content! You may be using your own content, or it could be content (like videos, memes, gifs, articles) that you found somewhere else on the web.</a:t>
-            </a:r>
-          </a:p>
-          <a:p>
-            <a:pPr lvl="0" marL="0" indent="0">
-              <a:spcBef>
-                <a:spcPts val="3000"/>
-              </a:spcBef>
-              <a:buNone/>
-            </a:pPr>
-            <a:r>
-              <a:rPr b="1"/>
-              <a:t>* Ownership, Copyright, and Sharing on the Web</a:t>
-            </a:r>
-          </a:p>
-          <a:p>
-            <a:pPr lvl="1"/>
-            <a:r>
-              <a:rPr/>
-              <a:t>Facilitator explains that whenever we share something on the web, we are “publishing” that content– releasing it out into the world.</a:t>
-            </a:r>
-          </a:p>
-          <a:p>
-            <a:pPr lvl="1"/>
-            <a:r>
-              <a:rPr/>
-              <a:t>On social media sites, we might be able to use settings to limit who sees this content (for example, groups of “friends” only)</a:t>
-            </a:r>
-          </a:p>
-          <a:p>
-            <a:pPr lvl="1"/>
-            <a:r>
-              <a:rPr/>
-              <a:t>If we don’t have restrictions on sharing, or if we’re publishing to a web page that everyone has access to, anyone can see our content.</a:t>
-            </a:r>
-          </a:p>
-          <a:p>
-            <a:pPr lvl="0" marL="1270000" indent="0">
-              <a:buNone/>
-            </a:pPr>
-            <a:r>
-              <a:rPr sz="2000"/>
-              <a:t>Tip! Understanding what can happen to your own info, photos, etc when it’s on the web.</a:t>
-            </a:r>
-          </a:p>
-          <a:p>
-            <a:pPr lvl="1"/>
-            <a:r>
-              <a:rPr/>
-              <a:t>What is default permissions on your materials?</a:t>
-            </a:r>
-          </a:p>
-          <a:p>
-            <a:pPr lvl="1"/>
-            <a:r>
-              <a:rPr/>
-              <a:t>What do you agree to when you share on some sites?</a:t>
-            </a:r>
-          </a:p>
-          <a:p>
-            <a:pPr lvl="1"/>
-            <a:r>
-              <a:rPr/>
-              <a:t>Ask learners:</a:t>
-            </a:r>
-          </a:p>
-          <a:p>
-            <a:pPr lvl="2"/>
-            <a:r>
-              <a:rPr/>
-              <a:t>What are the advantages of this linked nature of the web? What do you like about it?</a:t>
-            </a:r>
-          </a:p>
-          <a:p>
-            <a:pPr lvl="2"/>
-            <a:r>
-              <a:rPr/>
-              <a:t>What don’t you like about it? What questions do you have about it?</a:t>
-            </a:r>
-          </a:p>
-          <a:p>
-            <a:pPr lvl="2"/>
-            <a:r>
-              <a:rPr/>
-              <a:t>What are positive ways that material you share on the web could be used by others? What are some negative ways?</a:t>
-            </a:r>
-          </a:p>
-          <a:p>
-            <a:pPr lvl="1"/>
-            <a:r>
-              <a:rPr/>
-              <a:t>Explain: we’re going to do a curation activity today, where we select a set of songs to create our own playlists. We’ll use HTML to add these to a page on the web (either their own homepage, or using Thimble).</a:t>
-            </a:r>
-          </a:p>
-          <a:p>
-            <a:pPr lvl="1"/>
-            <a:r>
-              <a:rPr/>
-              <a:t>We’ll use the music sharing site Soundcloud.</a:t>
+              <a:t>What’s the last thing you shared offline? (i.e. cut out an article, shared a comic strip or recipe) Where did you find it?</a:t>
             </a:r>
           </a:p>
         </p:txBody>
@@ -7642,23 +12225,55 @@
             </a:pPr>
             <a:r>
               <a:rPr/>
-              <a:t>Planning</a:t>
-            </a:r>
-            <a:r>
-              <a:rPr/>
-              <a:t> </a:t>
-            </a:r>
-            <a:r>
-              <a:rPr/>
-              <a:t>Your</a:t>
-            </a:r>
-            <a:r>
-              <a:rPr/>
-              <a:t> </a:t>
-            </a:r>
-            <a:r>
-              <a:rPr/>
-              <a:t>Playlist</a:t>
+              <a:t>Ownership,</a:t>
+            </a:r>
+            <a:r>
+              <a:rPr/>
+              <a:t> </a:t>
+            </a:r>
+            <a:r>
+              <a:rPr/>
+              <a:t>Copyright,</a:t>
+            </a:r>
+            <a:r>
+              <a:rPr/>
+              <a:t> </a:t>
+            </a:r>
+            <a:r>
+              <a:rPr/>
+              <a:t>and</a:t>
+            </a:r>
+            <a:r>
+              <a:rPr/>
+              <a:t> </a:t>
+            </a:r>
+            <a:r>
+              <a:rPr/>
+              <a:t>Sharing</a:t>
+            </a:r>
+            <a:r>
+              <a:rPr/>
+              <a:t> </a:t>
+            </a:r>
+            <a:r>
+              <a:rPr/>
+              <a:t>on</a:t>
+            </a:r>
+            <a:r>
+              <a:rPr/>
+              <a:t> </a:t>
+            </a:r>
+            <a:r>
+              <a:rPr/>
+              <a:t>the</a:t>
+            </a:r>
+            <a:r>
+              <a:rPr/>
+              <a:t> </a:t>
+            </a:r>
+            <a:r>
+              <a:rPr/>
+              <a:t>Web</a:t>
             </a:r>
           </a:p>
         </p:txBody>
@@ -7678,90 +12293,24 @@
           <a:bodyPr/>
           <a:lstStyle/>
           <a:p>
-            <a:pPr lvl="0" marL="0" indent="0">
-              <a:spcBef>
-                <a:spcPts val="3000"/>
-              </a:spcBef>
-              <a:buNone/>
-            </a:pPr>
-            <a:r>
-              <a:rPr b="1"/>
-              <a:t>Discussion/Reflection</a:t>
-            </a:r>
-          </a:p>
-          <a:p>
             <a:pPr lvl="1"/>
             <a:r>
               <a:rPr/>
-              <a:t>Split learners into groups of 2 or 3. Give learners a minute or two to think about the following questions, and then ask them to share their answers with each other.</a:t>
-            </a:r>
-          </a:p>
-          <a:p>
-            <a:pPr lvl="0" marL="1270000" indent="0">
-              <a:buNone/>
-            </a:pPr>
-            <a:r>
-              <a:rPr sz="2000"/>
-              <a:t>Tip! There are two options here– learners can work on a group playlist, which will help sharpen their collaboration skills, or each learner can create their own playlist and think of the project as part of their own personal online identity.</a:t>
+              <a:t>Whenever we share something on the web, we are “publishing” that content</a:t>
             </a:r>
           </a:p>
           <a:p>
             <a:pPr lvl="1"/>
             <a:r>
               <a:rPr/>
-              <a:t>What kind of songs do you want to share? What is this playlist for– what is the purpose?</a:t>
-            </a:r>
-          </a:p>
-          <a:p>
-            <a:pPr lvl="0" marL="1270000" indent="0">
-              <a:buNone/>
-            </a:pPr>
-            <a:r>
-              <a:rPr sz="2000"/>
-              <a:t>Tip! Lots of options here– if learners need help getting started, you may suggest some options:</a:t>
+              <a:t>On social media sites, we might be able to use settings to limit who sees this content (for example, groups of “friends” only)</a:t>
             </a:r>
           </a:p>
           <a:p>
             <a:pPr lvl="1"/>
             <a:r>
-              <a:rPr sz="2000"/>
-              <a:t>A playlist to listen to while studying, working out, etc</a:t>
-            </a:r>
-          </a:p>
-          <a:p>
-            <a:pPr lvl="1"/>
-            <a:r>
-              <a:rPr sz="2000"/>
-              <a:t>A special playlist for a friend or family member</a:t>
-            </a:r>
-          </a:p>
-          <a:p>
-            <a:pPr lvl="1"/>
-            <a:r>
-              <a:rPr sz="2000"/>
-              <a:t>A playlist that is an introduction to your favorite genre of music– ie. hip-hop 101, or intro to alt-country</a:t>
-            </a:r>
-          </a:p>
-          <a:p>
-            <a:pPr lvl="1"/>
-            <a:r>
-              <a:rPr sz="2000"/>
-              <a:t>A playlist of music from a certain time period or era that is important to you</a:t>
-            </a:r>
-            <a:br/>
-          </a:p>
-          <a:p>
-            <a:pPr lvl="1"/>
-            <a:r>
-              <a:rPr sz="2000"/>
-              <a:t>A playlist of sound effects for a certain purpose (for haunted house, radio play about outer space,</a:t>
-            </a:r>
-          </a:p>
-          <a:p>
-            <a:pPr lvl="1"/>
-            <a:r>
-              <a:rPr sz="2000"/>
-              <a:t>WHO is this playlist for? What audience do they want to reach, and what should they know about each song our soundfile? Tip! Explain to learners that as part of this activity, they will write short commentary about each song or sound– just a line or two is fine, to explain what’s important about the song or sound, why they picked it.</a:t>
+              <a:rPr/>
+              <a:t>If we don’t have restrictions on sharing, or if we’re publishing to a web page that everyone has access to, anyone can see our content.</a:t>
             </a:r>
           </a:p>
         </p:txBody>
@@ -7808,15 +12357,23 @@
             </a:pPr>
             <a:r>
               <a:rPr/>
-              <a:t>Search</a:t>
-            </a:r>
-            <a:r>
-              <a:rPr/>
-              <a:t> </a:t>
-            </a:r>
-            <a:r>
-              <a:rPr/>
-              <a:t>Soundcloud</a:t>
+              <a:t>Planning</a:t>
+            </a:r>
+            <a:r>
+              <a:rPr/>
+              <a:t> </a:t>
+            </a:r>
+            <a:r>
+              <a:rPr/>
+              <a:t>Your</a:t>
+            </a:r>
+            <a:r>
+              <a:rPr/>
+              <a:t> </a:t>
+            </a:r>
+            <a:r>
+              <a:rPr/>
+              <a:t>Playlist</a:t>
             </a:r>
           </a:p>
         </p:txBody>
@@ -7836,59 +12393,90 @@
           <a:bodyPr/>
           <a:lstStyle/>
           <a:p>
+            <a:pPr lvl="0" marL="0" indent="0">
+              <a:spcBef>
+                <a:spcPts val="3000"/>
+              </a:spcBef>
+              <a:buNone/>
+            </a:pPr>
+            <a:r>
+              <a:rPr b="1"/>
+              <a:t>Discussion/Reflection</a:t>
+            </a:r>
+          </a:p>
+          <a:p>
             <a:pPr lvl="1"/>
             <a:r>
               <a:rPr/>
-              <a:t>To introduce learners to the platform, the facilitator should open a browser window and navigate to Soundcloud to give everyone a sense of how the interface works. This will work best if you have a projector and screen handy, so everyone can see. Spend about 3-5 minutes here.</a:t>
+              <a:t>Split learners into groups of 2 or 3. Give learners a minute or two to think about the following questions, and then ask them to share their answers with each other.</a:t>
+            </a:r>
+          </a:p>
+          <a:p>
+            <a:pPr lvl="0" marL="1270000" indent="0">
+              <a:buNone/>
+            </a:pPr>
+            <a:r>
+              <a:rPr sz="2000"/>
+              <a:t>Tip! There are two options here– learners can work on a group playlist, which will help sharpen their collaboration skills, or each learner can create their own playlist and think of the project as part of their own personal online identity.</a:t>
             </a:r>
           </a:p>
           <a:p>
             <a:pPr lvl="1"/>
             <a:r>
               <a:rPr/>
-              <a:t>There are a variety of possible search terms:</a:t>
-            </a:r>
-          </a:p>
-          <a:p>
-            <a:pPr lvl="2"/>
-            <a:r>
-              <a:rPr/>
-              <a:t>Song or artists name, keyword or tag like “rushing water,” genre name like “cool jazz”</a:t>
+              <a:t>What kind of songs do you want to share? What is this playlist for– what is the purpose?</a:t>
+            </a:r>
+          </a:p>
+          <a:p>
+            <a:pPr lvl="0" marL="1270000" indent="0">
+              <a:buNone/>
+            </a:pPr>
+            <a:r>
+              <a:rPr sz="2000"/>
+              <a:t>Tip! Lots of options here– if learners need help getting started, you may suggest some options:</a:t>
             </a:r>
           </a:p>
           <a:p>
             <a:pPr lvl="1"/>
             <a:r>
-              <a:rPr/>
-              <a:t>Note that many SoundCloud users post long single files which represent lots of songs– take a look at the sound length to be sure you’re getting a single sound, not a mix</a:t>
+              <a:rPr sz="2000"/>
+              <a:t>A playlist to listen to while studying, working out, etc</a:t>
             </a:r>
           </a:p>
           <a:p>
             <a:pPr lvl="1"/>
             <a:r>
-              <a:rPr/>
-              <a:t>Point out that Soundcloud is like every other online community. There’s great content there, but you’ll also find the occasional words and pictures that are offensive to learners. Explain this to learners:</a:t>
+              <a:rPr sz="2000"/>
+              <a:t>A special playlist for a friend or family member</a:t>
             </a:r>
           </a:p>
           <a:p>
             <a:pPr lvl="1"/>
             <a:r>
-              <a:rPr/>
-              <a:t>Everyone should feel safe on the Open Web, so we should follow some common sense rules about search in our learning space. Do your best to avoid inappropriate material. If offensive words, pictures, music, etc show up as part of your search results or in the comments, click away from them and concentrate on finding material you can use for this project.</a:t>
+              <a:rPr sz="2000"/>
+              <a:t>A playlist that is an introduction to your favorite genre of music– ie. hip-hop 101, or intro to alt-country</a:t>
             </a:r>
           </a:p>
           <a:p>
             <a:pPr lvl="1"/>
             <a:r>
-              <a:rPr/>
-              <a:t>Search! Ask learners to bookmark selected songs or copy and paste the URLs - or Web addresses - into another document so they can get back to them easily. Demonstrate how to bookmark.</a:t>
-            </a:r>
+              <a:rPr sz="2000"/>
+              <a:t>A playlist of music from a certain time period or era that is important to you</a:t>
+            </a:r>
+            <a:br/>
           </a:p>
           <a:p>
             <a:pPr lvl="1"/>
             <a:r>
-              <a:rPr/>
-              <a:t>Ask learners to write their song descriptions along with the links. Suggest that learners use a simple text editor and provide a demo. * Also remind learners to include attributions, and discuss the importance of citing creators.</a:t>
+              <a:rPr sz="2000"/>
+              <a:t>A playlist of sound effects for a certain purpose (for haunted house, radio play about outer space,</a:t>
+            </a:r>
+          </a:p>
+          <a:p>
+            <a:pPr lvl="1"/>
+            <a:r>
+              <a:rPr sz="2000"/>
+              <a:t>WHO is this playlist for? What audience do they want to reach, and what should they know about each song our soundfile? Tip! Explain to learners that as part of this activity, they will write short commentary about each song or sound– just a line or two is fine, to explain what’s important about the song or sound, why they picked it.</a:t>
             </a:r>
           </a:p>
         </p:txBody>
@@ -7935,31 +12523,15 @@
             </a:pPr>
             <a:r>
               <a:rPr/>
-              <a:t>Create</a:t>
-            </a:r>
-            <a:r>
-              <a:rPr/>
-              <a:t> </a:t>
-            </a:r>
-            <a:r>
-              <a:rPr/>
-              <a:t>Your</a:t>
-            </a:r>
-            <a:r>
-              <a:rPr/>
-              <a:t> </a:t>
-            </a:r>
-            <a:r>
-              <a:rPr/>
-              <a:t>Playlist</a:t>
-            </a:r>
-            <a:r>
-              <a:rPr/>
-              <a:t> </a:t>
-            </a:r>
-            <a:r>
-              <a:rPr/>
-              <a:t>Page</a:t>
+              <a:t>Search</a:t>
+            </a:r>
+            <a:r>
+              <a:rPr/>
+              <a:t> </a:t>
+            </a:r>
+            <a:r>
+              <a:rPr/>
+              <a:t>Soundcloud</a:t>
             </a:r>
           </a:p>
         </p:txBody>
@@ -7982,16 +12554,56 @@
             <a:pPr lvl="1"/>
             <a:r>
               <a:rPr/>
-              <a:t>For this part of the activity, users need a web page. They can: 1) use the basic pages created in Building Basic Pages (even though these pages are not hosted on a server, as long as the computer is connected to the internet, the embed code will work 2) use Thimble or another Integrated Development Environment. The code will work the same way, and of course these pages created using an IDE are hosted as part of the platform.</a:t>
-            </a:r>
-          </a:p>
-          <a:p>
-            <a:pPr lvl="0" marL="1270000" indent="0">
-              <a:buNone/>
-            </a:pPr>
-            <a:r>
-              <a:rPr sz="2000"/>
-              <a:t>Tip! If using option 1, remind learners again that their pages are only on the client computer, and not yet hosted on the internet. In either case, the following template is suggested as a starting point. Learners can integrate their commentary about each selection into the playlist itself.</a:t>
+              <a:t>To introduce learners to the platform, the facilitator should open a browser window and navigate to Soundcloud to give everyone a sense of how the interface works. This will work best if you have a projector and screen handy, so everyone can see. Spend about 3-5 minutes here.</a:t>
+            </a:r>
+          </a:p>
+          <a:p>
+            <a:pPr lvl="1"/>
+            <a:r>
+              <a:rPr/>
+              <a:t>There are a variety of possible search terms:</a:t>
+            </a:r>
+          </a:p>
+          <a:p>
+            <a:pPr lvl="2"/>
+            <a:r>
+              <a:rPr/>
+              <a:t>Song or artists name, keyword or tag like “rushing water,” genre name like “cool jazz”</a:t>
+            </a:r>
+          </a:p>
+          <a:p>
+            <a:pPr lvl="1"/>
+            <a:r>
+              <a:rPr/>
+              <a:t>Note that many SoundCloud users post long single files which represent lots of songs– take a look at the sound length to be sure you’re getting a single sound, not a mix</a:t>
+            </a:r>
+          </a:p>
+          <a:p>
+            <a:pPr lvl="1"/>
+            <a:r>
+              <a:rPr/>
+              <a:t>Point out that Soundcloud is like every other online community. There’s great content there, but you’ll also find the occasional words and pictures that are offensive to learners. Explain this to learners:</a:t>
+            </a:r>
+          </a:p>
+          <a:p>
+            <a:pPr lvl="1"/>
+            <a:r>
+              <a:rPr/>
+              <a:t>Everyone should feel safe on the Open Web, so we should follow some common sense rules about search in our learning space. Do your best to avoid inappropriate material. If offensive words, pictures, music, etc show up as part of your search results or in the comments, click away from them and concentrate on finding material you can use for this project.</a:t>
+            </a:r>
+          </a:p>
+          <a:p>
+            <a:pPr lvl="1"/>
+            <a:r>
+              <a:rPr/>
+              <a:t>Search! Ask learners to bookmark selected songs or copy and paste the URLs - or Web addresses - into another document so they can get back to them easily. Demonstrate how to bookmark.</a:t>
+            </a:r>
+          </a:p>
+          <a:p>
+            <a:pPr lvl="1"/>
+            <a:r>
+              <a:rPr/>
+              <a:t>Ask learners to write their song descriptions along with the links. Suggest that learners use a simple text editor and provide a demo. * Also remind learners to include attributions, and discuss the importance of citing creators.</a:t>
             </a:r>
           </a:p>
         </p:txBody>
@@ -8002,6 +12614,109 @@
 </file>
 
 <file path=ppt/slides/slide8.xml><?xml version="1.0" encoding="utf-8"?>
+<p:sld xmlns:a="http://schemas.openxmlformats.org/drawingml/2006/main" xmlns:r="http://schemas.openxmlformats.org/officeDocument/2006/relationships" xmlns:p="http://schemas.openxmlformats.org/presentationml/2006/main">
+  <p:cSld>
+    <p:spTree>
+      <p:nvGrpSpPr>
+        <p:cNvPr id="1" name=""/>
+        <p:cNvGrpSpPr/>
+        <p:nvPr/>
+      </p:nvGrpSpPr>
+      <p:grpSpPr>
+        <a:xfrm>
+          <a:off x="0" y="0"/>
+          <a:ext cx="0" cy="0"/>
+          <a:chOff x="0" y="0"/>
+          <a:chExt cx="0" cy="0"/>
+        </a:xfrm>
+      </p:grpSpPr>
+      <p:sp>
+        <p:nvSpPr>
+          <p:cNvPr id="2" name="Title 1"/>
+          <p:cNvSpPr>
+            <a:spLocks noGrp="1"/>
+          </p:cNvSpPr>
+          <p:nvPr>
+            <p:ph type="title"/>
+          </p:nvPr>
+        </p:nvSpPr>
+        <p:spPr/>
+        <p:txBody>
+          <a:bodyPr/>
+          <a:lstStyle/>
+          <a:p>
+            <a:pPr lvl="0" marL="0" indent="0">
+              <a:buNone/>
+            </a:pPr>
+            <a:r>
+              <a:rPr/>
+              <a:t>Create</a:t>
+            </a:r>
+            <a:r>
+              <a:rPr/>
+              <a:t> </a:t>
+            </a:r>
+            <a:r>
+              <a:rPr/>
+              <a:t>Your</a:t>
+            </a:r>
+            <a:r>
+              <a:rPr/>
+              <a:t> </a:t>
+            </a:r>
+            <a:r>
+              <a:rPr/>
+              <a:t>Playlist</a:t>
+            </a:r>
+            <a:r>
+              <a:rPr/>
+              <a:t> </a:t>
+            </a:r>
+            <a:r>
+              <a:rPr/>
+              <a:t>Page</a:t>
+            </a:r>
+          </a:p>
+        </p:txBody>
+      </p:sp>
+      <p:sp>
+        <p:nvSpPr>
+          <p:cNvPr id="3" name="Content Placeholder 2"/>
+          <p:cNvSpPr>
+            <a:spLocks noGrp="1"/>
+          </p:cNvSpPr>
+          <p:nvPr>
+            <p:ph idx="1"/>
+          </p:nvPr>
+        </p:nvSpPr>
+        <p:spPr/>
+        <p:txBody>
+          <a:bodyPr/>
+          <a:lstStyle/>
+          <a:p>
+            <a:pPr lvl="1"/>
+            <a:r>
+              <a:rPr/>
+              <a:t>For this part of the activity, users need a web page. They can: 1) use the basic pages created in Building Basic Pages (even though these pages are not hosted on a server, as long as the computer is connected to the internet, the embed code will work 2) use Thimble or another Integrated Development Environment. The code will work the same way, and of course these pages created using an IDE are hosted as part of the platform.</a:t>
+            </a:r>
+          </a:p>
+          <a:p>
+            <a:pPr lvl="0" marL="1270000" indent="0">
+              <a:buNone/>
+            </a:pPr>
+            <a:r>
+              <a:rPr sz="2000"/>
+              <a:t>Tip! If using option 1, remind learners again that their pages are only on the client computer, and not yet hosted on the internet. In either case, the following template is suggested as a starting point. Learners can integrate their commentary about each selection into the playlist itself.</a:t>
+            </a:r>
+          </a:p>
+        </p:txBody>
+      </p:sp>
+    </p:spTree>
+  </p:cSld>
+</p:sld>
+</file>
+
+<file path=ppt/slides/slide9.xml><?xml version="1.0" encoding="utf-8"?>
 <p:sld xmlns:a="http://schemas.openxmlformats.org/drawingml/2006/main" xmlns:r="http://schemas.openxmlformats.org/officeDocument/2006/relationships" xmlns:p="http://schemas.openxmlformats.org/presentationml/2006/main">
   <p:cSld>
     <p:spTree>
@@ -8074,93 +12789,6 @@
             <a:r>
               <a:rPr/>
               <a:t>code</a:t>
-            </a:r>
-          </a:p>
-        </p:txBody>
-      </p:sp>
-    </p:spTree>
-  </p:cSld>
-</p:sld>
-</file>
-
-<file path=ppt/slides/slide9.xml><?xml version="1.0" encoding="utf-8"?>
-<p:sld xmlns:a="http://schemas.openxmlformats.org/drawingml/2006/main" xmlns:r="http://schemas.openxmlformats.org/officeDocument/2006/relationships" xmlns:p="http://schemas.openxmlformats.org/presentationml/2006/main">
-  <p:cSld>
-    <p:spTree>
-      <p:nvGrpSpPr>
-        <p:cNvPr id="1" name=""/>
-        <p:cNvGrpSpPr/>
-        <p:nvPr/>
-      </p:nvGrpSpPr>
-      <p:grpSpPr>
-        <a:xfrm>
-          <a:off x="0" y="0"/>
-          <a:ext cx="0" cy="0"/>
-          <a:chOff x="0" y="0"/>
-          <a:chExt cx="0" cy="0"/>
-        </a:xfrm>
-      </p:grpSpPr>
-      <p:sp>
-        <p:nvSpPr>
-          <p:cNvPr id="3" name="Content Placeholder 2"/>
-          <p:cNvSpPr>
-            <a:spLocks noGrp="1"/>
-          </p:cNvSpPr>
-          <p:nvPr>
-            <p:ph idx="1"/>
-          </p:nvPr>
-        </p:nvSpPr>
-        <p:spPr/>
-        <p:txBody>
-          <a:bodyPr/>
-          <a:lstStyle/>
-          <a:p>
-            <a:pPr lvl="1"/>
-            <a:r>
-              <a:rPr/>
-              <a:t>Explain that, as discussed in the intro, the web is designed for sharing and interconnection:.</a:t>
-            </a:r>
-          </a:p>
-          <a:p>
-            <a:pPr lvl="2"/>
-            <a:r>
-              <a:rPr/>
-              <a:t>You can add a link to your webpage that directs visitors to a song on Soundcloud. When a visitor clicks on that link they leave your web page and go to the song on Soundcloud. This is typical linking behavior.</a:t>
-            </a:r>
-          </a:p>
-          <a:p>
-            <a:pPr lvl="1"/>
-            <a:r>
-              <a:rPr/>
-              <a:t>Sites like YouTube and Soundcloud also let you “embed” media on your own webpage so you can play a song or video without leaving your page.</a:t>
-            </a:r>
-          </a:p>
-          <a:p>
-            <a:pPr lvl="1"/>
-            <a:r>
-              <a:rPr/>
-              <a:t>When you embed media, you create a small window or frame in your own webpage that loads the song or video right directly on your page.</a:t>
-            </a:r>
-          </a:p>
-          <a:p>
-            <a:pPr lvl="1"/>
-            <a:r>
-              <a:rPr/>
-              <a:t>An “embed” is a piece of media you call or pull into your webpage using HTML tags. The HTML tag called “iframe” creates the embed in your webpage.</a:t>
-            </a:r>
-          </a:p>
-          <a:p>
-            <a:pPr lvl="1"/>
-            <a:r>
-              <a:rPr/>
-              <a:t>Demo the embed process for your learners. If possible, invite them to follow along on their own computers using one of their chose songs. To embed a file from Soundcloud:</a:t>
-            </a:r>
-          </a:p>
-          <a:p>
-            <a:pPr lvl="2"/>
-            <a:r>
-              <a:rPr/>
-              <a:t>First, you click on the “Share” button underneath the song’s “waveform” player.</a:t>
             </a:r>
           </a:p>
         </p:txBody>
